--- a/FINAL_ATTEND-IN_Sprint_3 (2).pptx
+++ b/FINAL_ATTEND-IN_Sprint_3 (2).pptx
@@ -11,10 +11,12 @@
     <p:sldId id="257" r:id="rId5"/>
     <p:sldId id="258" r:id="rId6"/>
     <p:sldId id="266" r:id="rId7"/>
-    <p:sldId id="261" r:id="rId8"/>
-    <p:sldId id="262" r:id="rId9"/>
-    <p:sldId id="265" r:id="rId10"/>
-    <p:sldId id="264" r:id="rId11"/>
+    <p:sldId id="267" r:id="rId8"/>
+    <p:sldId id="268" r:id="rId9"/>
+    <p:sldId id="261" r:id="rId10"/>
+    <p:sldId id="262" r:id="rId11"/>
+    <p:sldId id="265" r:id="rId12"/>
+    <p:sldId id="264" r:id="rId13"/>
   </p:sldIdLst>
   <p:sldSz cx="12192000" cy="6858000"/>
   <p:notesSz cx="6858000" cy="9144000"/>
@@ -3740,6 +3742,893 @@
 <file path=ppt/slides/slide10.xml><?xml version="1.0" encoding="utf-8"?>
 <p:sld xmlns:a="http://schemas.openxmlformats.org/drawingml/2006/main" xmlns:r="http://schemas.openxmlformats.org/officeDocument/2006/relationships" xmlns:p="http://schemas.openxmlformats.org/presentationml/2006/main">
   <p:cSld>
+    <p:bg>
+      <p:bgPr>
+        <a:gradFill rotWithShape="1">
+          <a:gsLst>
+            <a:gs pos="0">
+              <a:schemeClr val="bg2">
+                <a:tint val="94000"/>
+                <a:satMod val="80000"/>
+                <a:lumMod val="106000"/>
+              </a:schemeClr>
+            </a:gs>
+            <a:gs pos="100000">
+              <a:schemeClr val="bg2">
+                <a:shade val="80000"/>
+              </a:schemeClr>
+            </a:gs>
+          </a:gsLst>
+          <a:path path="circle">
+            <a:fillToRect l="43000" r="43000" b="100000"/>
+          </a:path>
+        </a:gradFill>
+        <a:effectLst/>
+      </p:bgPr>
+    </p:bg>
+    <p:spTree>
+      <p:nvGrpSpPr>
+        <p:cNvPr id="1" name=""/>
+        <p:cNvGrpSpPr/>
+        <p:nvPr/>
+      </p:nvGrpSpPr>
+      <p:grpSpPr>
+        <a:xfrm>
+          <a:off x="0" y="0"/>
+          <a:ext cx="0" cy="0"/>
+          <a:chOff x="0" y="0"/>
+          <a:chExt cx="0" cy="0"/>
+        </a:xfrm>
+      </p:grpSpPr>
+      <p:sp>
+        <p:nvSpPr>
+          <p:cNvPr id="35" name="Rectangle 34">
+            <a:extLst>
+              <a:ext uri="{FF2B5EF4-FFF2-40B4-BE49-F238E27FC236}">
+                <a16:creationId xmlns:a16="http://schemas.microsoft.com/office/drawing/2014/main" id="{1034510A-DB30-456D-9F45-F70101243FCB}"/>
+              </a:ext>
+              <a:ext uri="{C183D7F6-B498-43B3-948B-1728B52AA6E4}">
+                <adec:decorative xmlns:adec="http://schemas.microsoft.com/office/drawing/2017/decorative" val="1"/>
+              </a:ext>
+            </a:extLst>
+          </p:cNvPr>
+          <p:cNvSpPr>
+            <a:spLocks noGrp="1" noRot="1" noChangeAspect="1" noMove="1" noResize="1" noEditPoints="1" noAdjustHandles="1" noChangeArrowheads="1" noChangeShapeType="1" noTextEdit="1"/>
+          </p:cNvSpPr>
+          <p:nvPr>
+            <p:extLst>
+              <p:ext uri="{386F3935-93C4-4BCD-93E2-E3B085C9AB24}">
+                <p16:designElem xmlns:p16="http://schemas.microsoft.com/office/powerpoint/2015/main" val="1"/>
+              </p:ext>
+            </p:extLst>
+          </p:nvPr>
+        </p:nvSpPr>
+        <p:spPr>
+          <a:xfrm>
+            <a:off x="0" y="2015732"/>
+            <a:ext cx="12192000" cy="4118829"/>
+          </a:xfrm>
+          <a:prstGeom prst="rect">
+            <a:avLst/>
+          </a:prstGeom>
+          <a:gradFill flip="none" rotWithShape="1">
+            <a:gsLst>
+              <a:gs pos="0">
+                <a:schemeClr val="bg2">
+                  <a:alpha val="0"/>
+                </a:schemeClr>
+              </a:gs>
+              <a:gs pos="100000">
+                <a:schemeClr val="bg2"/>
+              </a:gs>
+            </a:gsLst>
+            <a:lin ang="5400000" scaled="0"/>
+            <a:tileRect/>
+          </a:gradFill>
+          <a:ln>
+            <a:noFill/>
+          </a:ln>
+        </p:spPr>
+        <p:style>
+          <a:lnRef idx="2">
+            <a:schemeClr val="accent1">
+              <a:shade val="50000"/>
+            </a:schemeClr>
+          </a:lnRef>
+          <a:fillRef idx="1">
+            <a:schemeClr val="accent1"/>
+          </a:fillRef>
+          <a:effectRef idx="0">
+            <a:schemeClr val="accent1"/>
+          </a:effectRef>
+          <a:fontRef idx="minor">
+            <a:schemeClr val="lt1"/>
+          </a:fontRef>
+        </p:style>
+      </p:sp>
+      <p:pic>
+        <p:nvPicPr>
+          <p:cNvPr id="37" name="Picture 36">
+            <a:extLst>
+              <a:ext uri="{FF2B5EF4-FFF2-40B4-BE49-F238E27FC236}">
+                <a16:creationId xmlns:a16="http://schemas.microsoft.com/office/drawing/2014/main" id="{D9E3E4AB-D495-4E09-86D0-3C3F1CD33C2A}"/>
+              </a:ext>
+              <a:ext uri="{C183D7F6-B498-43B3-948B-1728B52AA6E4}">
+                <adec:decorative xmlns:adec="http://schemas.microsoft.com/office/drawing/2017/decorative" val="1"/>
+              </a:ext>
+            </a:extLst>
+          </p:cNvPr>
+          <p:cNvPicPr>
+            <a:picLocks noGrp="1" noRot="1" noChangeAspect="1" noMove="1" noResize="1" noEditPoints="1" noAdjustHandles="1" noChangeArrowheads="1" noChangeShapeType="1" noCrop="1"/>
+          </p:cNvPicPr>
+          <p:nvPr>
+            <p:extLst>
+              <p:ext uri="{386F3935-93C4-4BCD-93E2-E3B085C9AB24}">
+                <p16:designElem xmlns:p16="http://schemas.microsoft.com/office/powerpoint/2015/main" val="1"/>
+              </p:ext>
+            </p:extLst>
+          </p:nvPr>
+        </p:nvPicPr>
+        <p:blipFill rotWithShape="1">
+          <a:blip r:embed="rId2"/>
+          <a:srcRect t="2769" b="-2769"/>
+          <a:stretch/>
+        </p:blipFill>
+        <p:spPr>
+          <a:xfrm>
+            <a:off x="0" y="6135624"/>
+            <a:ext cx="12192000" cy="742950"/>
+          </a:xfrm>
+          <a:prstGeom prst="rect">
+            <a:avLst/>
+          </a:prstGeom>
+        </p:spPr>
+      </p:pic>
+      <p:cxnSp>
+        <p:nvCxnSpPr>
+          <p:cNvPr id="39" name="Straight Connector 38">
+            <a:extLst>
+              <a:ext uri="{FF2B5EF4-FFF2-40B4-BE49-F238E27FC236}">
+                <a16:creationId xmlns:a16="http://schemas.microsoft.com/office/drawing/2014/main" id="{59D48945-BEE9-473E-9443-A1CE317E2D69}"/>
+              </a:ext>
+              <a:ext uri="{C183D7F6-B498-43B3-948B-1728B52AA6E4}">
+                <adec:decorative xmlns:adec="http://schemas.microsoft.com/office/drawing/2017/decorative" val="1"/>
+              </a:ext>
+            </a:extLst>
+          </p:cNvPr>
+          <p:cNvCxnSpPr>
+            <a:cxnSpLocks noGrp="1" noRot="1" noChangeAspect="1" noMove="1" noResize="1" noEditPoints="1" noAdjustHandles="1" noChangeArrowheads="1" noChangeShapeType="1"/>
+          </p:cNvCxnSpPr>
+          <p:nvPr>
+            <p:extLst>
+              <p:ext uri="{386F3935-93C4-4BCD-93E2-E3B085C9AB24}">
+                <p16:designElem xmlns:p16="http://schemas.microsoft.com/office/powerpoint/2015/main" val="1"/>
+              </p:ext>
+            </p:extLst>
+          </p:nvPr>
+        </p:nvCxnSpPr>
+        <p:spPr>
+          <a:xfrm>
+            <a:off x="0" y="6141705"/>
+            <a:ext cx="12192000" cy="0"/>
+          </a:xfrm>
+          <a:prstGeom prst="line">
+            <a:avLst/>
+          </a:prstGeom>
+          <a:ln w="12700">
+            <a:solidFill>
+              <a:srgbClr val="000001">
+                <a:alpha val="20000"/>
+              </a:srgbClr>
+            </a:solidFill>
+          </a:ln>
+        </p:spPr>
+        <p:style>
+          <a:lnRef idx="1">
+            <a:schemeClr val="accent1"/>
+          </a:lnRef>
+          <a:fillRef idx="0">
+            <a:schemeClr val="accent1"/>
+          </a:fillRef>
+          <a:effectRef idx="0">
+            <a:schemeClr val="accent1"/>
+          </a:effectRef>
+          <a:fontRef idx="minor">
+            <a:schemeClr val="tx1"/>
+          </a:fontRef>
+        </p:style>
+      </p:cxnSp>
+      <p:cxnSp>
+        <p:nvCxnSpPr>
+          <p:cNvPr id="41" name="Straight Connector 40">
+            <a:extLst>
+              <a:ext uri="{FF2B5EF4-FFF2-40B4-BE49-F238E27FC236}">
+                <a16:creationId xmlns:a16="http://schemas.microsoft.com/office/drawing/2014/main" id="{2DD6752A-2411-44BF-8C92-DF55B95F3ACA}"/>
+              </a:ext>
+              <a:ext uri="{C183D7F6-B498-43B3-948B-1728B52AA6E4}">
+                <adec:decorative xmlns:adec="http://schemas.microsoft.com/office/drawing/2017/decorative" val="1"/>
+              </a:ext>
+            </a:extLst>
+          </p:cNvPr>
+          <p:cNvCxnSpPr>
+            <a:cxnSpLocks noGrp="1" noRot="1" noChangeAspect="1" noMove="1" noResize="1" noEditPoints="1" noAdjustHandles="1" noChangeArrowheads="1" noChangeShapeType="1"/>
+          </p:cNvCxnSpPr>
+          <p:nvPr>
+            <p:extLst>
+              <p:ext uri="{386F3935-93C4-4BCD-93E2-E3B085C9AB24}">
+                <p16:designElem xmlns:p16="http://schemas.microsoft.com/office/powerpoint/2015/main" val="1"/>
+              </p:ext>
+            </p:extLst>
+          </p:nvPr>
+        </p:nvCxnSpPr>
+        <p:spPr>
+          <a:xfrm>
+            <a:off x="2334637" y="798973"/>
+            <a:ext cx="0" cy="2544756"/>
+          </a:xfrm>
+          <a:prstGeom prst="line">
+            <a:avLst/>
+          </a:prstGeom>
+          <a:ln w="38100" cmpd="sng">
+            <a:solidFill>
+              <a:schemeClr val="accent1"/>
+            </a:solidFill>
+            <a:prstDash val="solid"/>
+            <a:tailEnd type="none"/>
+          </a:ln>
+        </p:spPr>
+        <p:style>
+          <a:lnRef idx="3">
+            <a:schemeClr val="accent1"/>
+          </a:lnRef>
+          <a:fillRef idx="0">
+            <a:schemeClr val="accent1"/>
+          </a:fillRef>
+          <a:effectRef idx="2">
+            <a:schemeClr val="accent1"/>
+          </a:effectRef>
+          <a:fontRef idx="minor">
+            <a:schemeClr val="tx1"/>
+          </a:fontRef>
+        </p:style>
+      </p:cxnSp>
+      <p:sp useBgFill="1">
+        <p:nvSpPr>
+          <p:cNvPr id="43" name="Rectangle 42">
+            <a:extLst>
+              <a:ext uri="{FF2B5EF4-FFF2-40B4-BE49-F238E27FC236}">
+                <a16:creationId xmlns:a16="http://schemas.microsoft.com/office/drawing/2014/main" id="{B73AC2FE-07C1-46A1-BB32-2364A2ED7879}"/>
+              </a:ext>
+              <a:ext uri="{C183D7F6-B498-43B3-948B-1728B52AA6E4}">
+                <adec:decorative xmlns:adec="http://schemas.microsoft.com/office/drawing/2017/decorative" val="1"/>
+              </a:ext>
+            </a:extLst>
+          </p:cNvPr>
+          <p:cNvSpPr>
+            <a:spLocks noGrp="1" noRot="1" noChangeAspect="1" noMove="1" noResize="1" noEditPoints="1" noAdjustHandles="1" noChangeArrowheads="1" noChangeShapeType="1" noTextEdit="1"/>
+          </p:cNvSpPr>
+          <p:nvPr>
+            <p:extLst>
+              <p:ext uri="{386F3935-93C4-4BCD-93E2-E3B085C9AB24}">
+                <p16:designElem xmlns:p16="http://schemas.microsoft.com/office/powerpoint/2015/main" val="1"/>
+              </p:ext>
+            </p:extLst>
+          </p:nvPr>
+        </p:nvSpPr>
+        <p:spPr>
+          <a:xfrm>
+            <a:off x="2" y="0"/>
+            <a:ext cx="12191695" cy="6858000"/>
+          </a:xfrm>
+          <a:prstGeom prst="rect">
+            <a:avLst/>
+          </a:prstGeom>
+          <a:ln>
+            <a:noFill/>
+          </a:ln>
+        </p:spPr>
+        <p:style>
+          <a:lnRef idx="2">
+            <a:schemeClr val="accent1">
+              <a:shade val="50000"/>
+            </a:schemeClr>
+          </a:lnRef>
+          <a:fillRef idx="1">
+            <a:schemeClr val="accent1"/>
+          </a:fillRef>
+          <a:effectRef idx="0">
+            <a:schemeClr val="accent1"/>
+          </a:effectRef>
+          <a:fontRef idx="minor">
+            <a:schemeClr val="lt1"/>
+          </a:fontRef>
+        </p:style>
+        <p:txBody>
+          <a:bodyPr rtlCol="0" anchor="ctr"/>
+          <a:lstStyle/>
+          <a:p>
+            <a:pPr algn="ctr"/>
+            <a:endParaRPr lang="en-US"/>
+          </a:p>
+        </p:txBody>
+      </p:sp>
+      <p:sp>
+        <p:nvSpPr>
+          <p:cNvPr id="45" name="Rectangle 44">
+            <a:extLst>
+              <a:ext uri="{FF2B5EF4-FFF2-40B4-BE49-F238E27FC236}">
+                <a16:creationId xmlns:a16="http://schemas.microsoft.com/office/drawing/2014/main" id="{C9520B73-57CF-4733-8E69-379E600E8B53}"/>
+              </a:ext>
+              <a:ext uri="{C183D7F6-B498-43B3-948B-1728B52AA6E4}">
+                <adec:decorative xmlns:adec="http://schemas.microsoft.com/office/drawing/2017/decorative" val="1"/>
+              </a:ext>
+            </a:extLst>
+          </p:cNvPr>
+          <p:cNvSpPr>
+            <a:spLocks noGrp="1" noRot="1" noChangeAspect="1" noMove="1" noResize="1" noEditPoints="1" noAdjustHandles="1" noChangeArrowheads="1" noChangeShapeType="1" noTextEdit="1"/>
+          </p:cNvSpPr>
+          <p:nvPr>
+            <p:extLst>
+              <p:ext uri="{386F3935-93C4-4BCD-93E2-E3B085C9AB24}">
+                <p16:designElem xmlns:p16="http://schemas.microsoft.com/office/powerpoint/2015/main" val="1"/>
+              </p:ext>
+            </p:extLst>
+          </p:nvPr>
+        </p:nvSpPr>
+        <p:spPr>
+          <a:xfrm>
+            <a:off x="0" y="2015732"/>
+            <a:ext cx="12192000" cy="4118829"/>
+          </a:xfrm>
+          <a:prstGeom prst="rect">
+            <a:avLst/>
+          </a:prstGeom>
+          <a:gradFill flip="none" rotWithShape="1">
+            <a:gsLst>
+              <a:gs pos="0">
+                <a:schemeClr val="bg2">
+                  <a:alpha val="0"/>
+                </a:schemeClr>
+              </a:gs>
+              <a:gs pos="100000">
+                <a:schemeClr val="bg2"/>
+              </a:gs>
+            </a:gsLst>
+            <a:lin ang="5400000" scaled="0"/>
+            <a:tileRect/>
+          </a:gradFill>
+          <a:ln>
+            <a:noFill/>
+          </a:ln>
+        </p:spPr>
+        <p:style>
+          <a:lnRef idx="2">
+            <a:schemeClr val="accent1">
+              <a:shade val="50000"/>
+            </a:schemeClr>
+          </a:lnRef>
+          <a:fillRef idx="1">
+            <a:schemeClr val="accent1"/>
+          </a:fillRef>
+          <a:effectRef idx="0">
+            <a:schemeClr val="accent1"/>
+          </a:effectRef>
+          <a:fontRef idx="minor">
+            <a:schemeClr val="lt1"/>
+          </a:fontRef>
+        </p:style>
+        <p:txBody>
+          <a:bodyPr rtlCol="0" anchor="ctr"/>
+          <a:lstStyle/>
+          <a:p>
+            <a:pPr lvl="0" algn="ctr"/>
+            <a:endParaRPr lang="en-US"/>
+          </a:p>
+        </p:txBody>
+      </p:sp>
+      <p:sp>
+        <p:nvSpPr>
+          <p:cNvPr id="2" name="Title 1">
+            <a:extLst>
+              <a:ext uri="{FF2B5EF4-FFF2-40B4-BE49-F238E27FC236}">
+                <a16:creationId xmlns:a16="http://schemas.microsoft.com/office/drawing/2014/main" id="{39B67560-642D-48EE-95B5-F983FF372CCD}"/>
+              </a:ext>
+            </a:extLst>
+          </p:cNvPr>
+          <p:cNvSpPr>
+            <a:spLocks noGrp="1"/>
+          </p:cNvSpPr>
+          <p:nvPr>
+            <p:ph type="title"/>
+          </p:nvPr>
+        </p:nvSpPr>
+        <p:spPr>
+          <a:xfrm>
+            <a:off x="659301" y="1474969"/>
+            <a:ext cx="2823919" cy="1868760"/>
+          </a:xfrm>
+        </p:spPr>
+        <p:txBody>
+          <a:bodyPr vert="horz" lIns="91440" tIns="45720" rIns="91440" bIns="0" rtlCol="0" anchor="b">
+            <a:normAutofit/>
+          </a:bodyPr>
+          <a:lstStyle/>
+          <a:p>
+            <a:r>
+              <a:rPr lang="en-US" sz="3600" b="0" i="0" kern="1200" cap="none">
+                <a:solidFill>
+                  <a:schemeClr val="tx1"/>
+                </a:solidFill>
+                <a:effectLst/>
+                <a:latin typeface="+mj-lt"/>
+                <a:ea typeface="+mj-ea"/>
+                <a:cs typeface="+mj-cs"/>
+              </a:rPr>
+              <a:t>Velocity Chart</a:t>
+            </a:r>
+          </a:p>
+        </p:txBody>
+      </p:sp>
+      <p:cxnSp>
+        <p:nvCxnSpPr>
+          <p:cNvPr id="47" name="Straight Connector 46">
+            <a:extLst>
+              <a:ext uri="{FF2B5EF4-FFF2-40B4-BE49-F238E27FC236}">
+                <a16:creationId xmlns:a16="http://schemas.microsoft.com/office/drawing/2014/main" id="{6B51175B-2BEE-4C31-A61D-53448C067FC7}"/>
+              </a:ext>
+              <a:ext uri="{C183D7F6-B498-43B3-948B-1728B52AA6E4}">
+                <adec:decorative xmlns:adec="http://schemas.microsoft.com/office/drawing/2017/decorative" val="1"/>
+              </a:ext>
+            </a:extLst>
+          </p:cNvPr>
+          <p:cNvCxnSpPr>
+            <a:cxnSpLocks noGrp="1" noRot="1" noChangeAspect="1" noMove="1" noResize="1" noEditPoints="1" noAdjustHandles="1" noChangeArrowheads="1" noChangeShapeType="1"/>
+          </p:cNvCxnSpPr>
+          <p:nvPr>
+            <p:extLst>
+              <p:ext uri="{386F3935-93C4-4BCD-93E2-E3B085C9AB24}">
+                <p16:designElem xmlns:p16="http://schemas.microsoft.com/office/powerpoint/2015/main" val="1"/>
+              </p:ext>
+            </p:extLst>
+          </p:nvPr>
+        </p:nvCxnSpPr>
+        <p:spPr>
+          <a:xfrm>
+            <a:off x="490988" y="807259"/>
+            <a:ext cx="0" cy="2544756"/>
+          </a:xfrm>
+          <a:prstGeom prst="line">
+            <a:avLst/>
+          </a:prstGeom>
+          <a:ln w="38100" cmpd="sng">
+            <a:solidFill>
+              <a:schemeClr val="accent1"/>
+            </a:solidFill>
+            <a:prstDash val="solid"/>
+            <a:tailEnd type="none"/>
+          </a:ln>
+        </p:spPr>
+        <p:style>
+          <a:lnRef idx="3">
+            <a:schemeClr val="accent1"/>
+          </a:lnRef>
+          <a:fillRef idx="0">
+            <a:schemeClr val="accent1"/>
+          </a:fillRef>
+          <a:effectRef idx="2">
+            <a:schemeClr val="accent1"/>
+          </a:effectRef>
+          <a:fontRef idx="minor">
+            <a:schemeClr val="tx1"/>
+          </a:fontRef>
+        </p:style>
+      </p:cxnSp>
+      <p:grpSp>
+        <p:nvGrpSpPr>
+          <p:cNvPr id="49" name="Group 48">
+            <a:extLst>
+              <a:ext uri="{FF2B5EF4-FFF2-40B4-BE49-F238E27FC236}">
+                <a16:creationId xmlns:a16="http://schemas.microsoft.com/office/drawing/2014/main" id="{43CD49F1-982C-4FBE-AF42-13E6BABE844A}"/>
+              </a:ext>
+              <a:ext uri="{C183D7F6-B498-43B3-948B-1728B52AA6E4}">
+                <adec:decorative xmlns:adec="http://schemas.microsoft.com/office/drawing/2017/decorative" val="1"/>
+              </a:ext>
+            </a:extLst>
+          </p:cNvPr>
+          <p:cNvGrpSpPr>
+            <a:grpSpLocks noGrp="1" noUngrp="1" noRot="1" noChangeAspect="1" noMove="1" noResize="1"/>
+          </p:cNvGrpSpPr>
+          <p:nvPr>
+            <p:extLst>
+              <p:ext uri="{386F3935-93C4-4BCD-93E2-E3B085C9AB24}">
+                <p16:designElem xmlns:p16="http://schemas.microsoft.com/office/powerpoint/2015/main" val="1"/>
+              </p:ext>
+            </p:extLst>
+          </p:nvPr>
+        </p:nvGrpSpPr>
+        <p:grpSpPr>
+          <a:xfrm>
+            <a:off x="3979389" y="482171"/>
+            <a:ext cx="7560115" cy="5149101"/>
+            <a:chOff x="3979389" y="482171"/>
+            <a:chExt cx="7560115" cy="5149101"/>
+          </a:xfrm>
+        </p:grpSpPr>
+        <p:sp>
+          <p:nvSpPr>
+            <p:cNvPr id="50" name="Rectangle 49">
+              <a:extLst>
+                <a:ext uri="{FF2B5EF4-FFF2-40B4-BE49-F238E27FC236}">
+                  <a16:creationId xmlns:a16="http://schemas.microsoft.com/office/drawing/2014/main" id="{C00DF66B-601A-4C57-AC68-A80B294EAA2D}"/>
+                </a:ext>
+                <a:ext uri="{C183D7F6-B498-43B3-948B-1728B52AA6E4}">
+                  <adec:decorative xmlns:adec="http://schemas.microsoft.com/office/drawing/2017/decorative" val="1"/>
+                </a:ext>
+              </a:extLst>
+            </p:cNvPr>
+            <p:cNvSpPr/>
+            <p:nvPr>
+              <p:extLst>
+                <p:ext uri="{386F3935-93C4-4BCD-93E2-E3B085C9AB24}">
+                  <p16:designElem xmlns:p16="http://schemas.microsoft.com/office/powerpoint/2015/main" val="1"/>
+                </p:ext>
+              </p:extLst>
+            </p:nvPr>
+          </p:nvSpPr>
+          <p:spPr>
+            <a:xfrm>
+              <a:off x="3979389" y="482171"/>
+              <a:ext cx="7560115" cy="5149101"/>
+            </a:xfrm>
+            <a:prstGeom prst="rect">
+              <a:avLst/>
+            </a:prstGeom>
+            <a:gradFill>
+              <a:gsLst>
+                <a:gs pos="0">
+                  <a:schemeClr val="bg2">
+                    <a:lumMod val="10000"/>
+                  </a:schemeClr>
+                </a:gs>
+                <a:gs pos="100000">
+                  <a:schemeClr val="bg2">
+                    <a:lumMod val="10000"/>
+                  </a:schemeClr>
+                </a:gs>
+              </a:gsLst>
+            </a:gradFill>
+            <a:ln w="76200" cmpd="sng">
+              <a:noFill/>
+              <a:miter lim="800000"/>
+            </a:ln>
+            <a:effectLst>
+              <a:outerShdw blurRad="127000" dist="228600" dir="4740000" sx="98000" sy="98000" algn="tl" rotWithShape="0">
+                <a:srgbClr val="000000">
+                  <a:alpha val="34000"/>
+                </a:srgbClr>
+              </a:outerShdw>
+            </a:effectLst>
+            <a:scene3d>
+              <a:camera prst="orthographicFront"/>
+              <a:lightRig rig="threePt" dir="t"/>
+            </a:scene3d>
+            <a:sp3d prstMaterial="matte">
+              <a:bevelT w="133350" h="50800" prst="divot"/>
+            </a:sp3d>
+          </p:spPr>
+          <p:style>
+            <a:lnRef idx="1">
+              <a:schemeClr val="accent1"/>
+            </a:lnRef>
+            <a:fillRef idx="3">
+              <a:schemeClr val="accent1"/>
+            </a:fillRef>
+            <a:effectRef idx="2">
+              <a:schemeClr val="accent1"/>
+            </a:effectRef>
+            <a:fontRef idx="minor">
+              <a:schemeClr val="lt1"/>
+            </a:fontRef>
+          </p:style>
+          <p:txBody>
+            <a:bodyPr rtlCol="0" anchor="ctr"/>
+            <a:lstStyle/>
+            <a:p>
+              <a:pPr algn="ctr"/>
+              <a:endParaRPr lang="en-US"/>
+            </a:p>
+          </p:txBody>
+        </p:sp>
+        <p:sp>
+          <p:nvSpPr>
+            <p:cNvPr id="51" name="Rectangle 50">
+              <a:extLst>
+                <a:ext uri="{FF2B5EF4-FFF2-40B4-BE49-F238E27FC236}">
+                  <a16:creationId xmlns:a16="http://schemas.microsoft.com/office/drawing/2014/main" id="{2A2E9392-7805-4CAB-8B44-675786FBCAA3}"/>
+                </a:ext>
+                <a:ext uri="{C183D7F6-B498-43B3-948B-1728B52AA6E4}">
+                  <adec:decorative xmlns:adec="http://schemas.microsoft.com/office/drawing/2017/decorative" val="1"/>
+                </a:ext>
+              </a:extLst>
+            </p:cNvPr>
+            <p:cNvSpPr/>
+            <p:nvPr>
+              <p:extLst>
+                <p:ext uri="{386F3935-93C4-4BCD-93E2-E3B085C9AB24}">
+                  <p16:designElem xmlns:p16="http://schemas.microsoft.com/office/powerpoint/2015/main" val="1"/>
+                </p:ext>
+              </p:extLst>
+            </p:nvPr>
+          </p:nvSpPr>
+          <p:spPr>
+            <a:xfrm>
+              <a:off x="4292448" y="812507"/>
+              <a:ext cx="6928279" cy="4466452"/>
+            </a:xfrm>
+            <a:prstGeom prst="rect">
+              <a:avLst/>
+            </a:prstGeom>
+            <a:gradFill>
+              <a:gsLst>
+                <a:gs pos="0">
+                  <a:srgbClr val="DADADA"/>
+                </a:gs>
+                <a:gs pos="100000">
+                  <a:srgbClr val="FFFFFE"/>
+                </a:gs>
+              </a:gsLst>
+              <a:lin ang="16200000" scaled="0"/>
+            </a:gradFill>
+            <a:ln w="50800" cmpd="sng">
+              <a:solidFill>
+                <a:srgbClr val="191919"/>
+              </a:solidFill>
+              <a:miter lim="800000"/>
+            </a:ln>
+            <a:effectLst>
+              <a:innerShdw blurRad="63500" dist="88900" dir="14100000">
+                <a:srgbClr val="000000">
+                  <a:alpha val="30000"/>
+                </a:srgbClr>
+              </a:innerShdw>
+            </a:effectLst>
+            <a:scene3d>
+              <a:camera prst="orthographicFront"/>
+              <a:lightRig rig="threePt" dir="t"/>
+            </a:scene3d>
+            <a:sp3d>
+              <a:bevelT prst="relaxedInset"/>
+            </a:sp3d>
+          </p:spPr>
+          <p:style>
+            <a:lnRef idx="1">
+              <a:schemeClr val="accent1"/>
+            </a:lnRef>
+            <a:fillRef idx="3">
+              <a:schemeClr val="accent1"/>
+            </a:fillRef>
+            <a:effectRef idx="2">
+              <a:schemeClr val="accent1"/>
+            </a:effectRef>
+            <a:fontRef idx="minor">
+              <a:schemeClr val="lt1"/>
+            </a:fontRef>
+          </p:style>
+          <p:txBody>
+            <a:bodyPr rtlCol="0" anchor="ctr"/>
+            <a:lstStyle/>
+            <a:p>
+              <a:pPr algn="ctr"/>
+              <a:endParaRPr lang="en-US"/>
+            </a:p>
+          </p:txBody>
+        </p:sp>
+      </p:grpSp>
+      <p:pic>
+        <p:nvPicPr>
+          <p:cNvPr id="6" name="Content Placeholder 5">
+            <a:extLst>
+              <a:ext uri="{FF2B5EF4-FFF2-40B4-BE49-F238E27FC236}">
+                <a16:creationId xmlns:a16="http://schemas.microsoft.com/office/drawing/2014/main" id="{0B6E6720-8D41-4F2C-A568-4EC30C9E1807}"/>
+              </a:ext>
+            </a:extLst>
+          </p:cNvPr>
+          <p:cNvPicPr>
+            <a:picLocks noGrp="1" noChangeAspect="1"/>
+          </p:cNvPicPr>
+          <p:nvPr>
+            <p:ph idx="1"/>
+          </p:nvPr>
+        </p:nvPicPr>
+        <p:blipFill rotWithShape="1">
+          <a:blip r:embed="rId3"/>
+          <a:srcRect t="4966" r="-2" b="-2"/>
+          <a:stretch/>
+        </p:blipFill>
+        <p:spPr>
+          <a:xfrm>
+            <a:off x="4618374" y="1116345"/>
+            <a:ext cx="6282919" cy="3866172"/>
+          </a:xfrm>
+          <a:prstGeom prst="rect">
+            <a:avLst/>
+          </a:prstGeom>
+        </p:spPr>
+      </p:pic>
+      <p:pic>
+        <p:nvPicPr>
+          <p:cNvPr id="53" name="Picture 52">
+            <a:extLst>
+              <a:ext uri="{FF2B5EF4-FFF2-40B4-BE49-F238E27FC236}">
+                <a16:creationId xmlns:a16="http://schemas.microsoft.com/office/drawing/2014/main" id="{960E8265-B467-4C88-B9B5-9350EB092DA2}"/>
+              </a:ext>
+              <a:ext uri="{C183D7F6-B498-43B3-948B-1728B52AA6E4}">
+                <adec:decorative xmlns:adec="http://schemas.microsoft.com/office/drawing/2017/decorative" val="1"/>
+              </a:ext>
+            </a:extLst>
+          </p:cNvPr>
+          <p:cNvPicPr>
+            <a:picLocks noGrp="1" noRot="1" noChangeAspect="1" noMove="1" noResize="1" noEditPoints="1" noAdjustHandles="1" noChangeArrowheads="1" noChangeShapeType="1" noCrop="1"/>
+          </p:cNvPicPr>
+          <p:nvPr>
+            <p:extLst>
+              <p:ext uri="{386F3935-93C4-4BCD-93E2-E3B085C9AB24}">
+                <p16:designElem xmlns:p16="http://schemas.microsoft.com/office/powerpoint/2015/main" val="1"/>
+              </p:ext>
+            </p:extLst>
+          </p:nvPr>
+        </p:nvPicPr>
+        <p:blipFill rotWithShape="1">
+          <a:blip r:embed="rId2"/>
+          <a:srcRect t="2769" b="-2769"/>
+          <a:stretch/>
+        </p:blipFill>
+        <p:spPr>
+          <a:xfrm>
+            <a:off x="0" y="6135624"/>
+            <a:ext cx="12192000" cy="742950"/>
+          </a:xfrm>
+          <a:prstGeom prst="rect">
+            <a:avLst/>
+          </a:prstGeom>
+        </p:spPr>
+      </p:pic>
+      <p:cxnSp>
+        <p:nvCxnSpPr>
+          <p:cNvPr id="55" name="Straight Connector 54">
+            <a:extLst>
+              <a:ext uri="{FF2B5EF4-FFF2-40B4-BE49-F238E27FC236}">
+                <a16:creationId xmlns:a16="http://schemas.microsoft.com/office/drawing/2014/main" id="{DD4A6FD5-17DF-46E5-9EDA-2AAC70F24DF8}"/>
+              </a:ext>
+              <a:ext uri="{C183D7F6-B498-43B3-948B-1728B52AA6E4}">
+                <adec:decorative xmlns:adec="http://schemas.microsoft.com/office/drawing/2017/decorative" val="1"/>
+              </a:ext>
+            </a:extLst>
+          </p:cNvPr>
+          <p:cNvCxnSpPr>
+            <a:cxnSpLocks noGrp="1" noRot="1" noChangeAspect="1" noMove="1" noResize="1" noEditPoints="1" noAdjustHandles="1" noChangeArrowheads="1" noChangeShapeType="1"/>
+          </p:cNvCxnSpPr>
+          <p:nvPr>
+            <p:extLst>
+              <p:ext uri="{386F3935-93C4-4BCD-93E2-E3B085C9AB24}">
+                <p16:designElem xmlns:p16="http://schemas.microsoft.com/office/powerpoint/2015/main" val="1"/>
+              </p:ext>
+            </p:extLst>
+          </p:nvPr>
+        </p:nvCxnSpPr>
+        <p:spPr>
+          <a:xfrm>
+            <a:off x="0" y="6141705"/>
+            <a:ext cx="12192000" cy="0"/>
+          </a:xfrm>
+          <a:prstGeom prst="line">
+            <a:avLst/>
+          </a:prstGeom>
+          <a:ln w="12700">
+            <a:solidFill>
+              <a:srgbClr val="000001">
+                <a:alpha val="20000"/>
+              </a:srgbClr>
+            </a:solidFill>
+          </a:ln>
+        </p:spPr>
+        <p:style>
+          <a:lnRef idx="1">
+            <a:schemeClr val="accent1"/>
+          </a:lnRef>
+          <a:fillRef idx="0">
+            <a:schemeClr val="accent1"/>
+          </a:fillRef>
+          <a:effectRef idx="0">
+            <a:schemeClr val="accent1"/>
+          </a:effectRef>
+          <a:fontRef idx="minor">
+            <a:schemeClr val="tx1"/>
+          </a:fontRef>
+        </p:style>
+      </p:cxnSp>
+    </p:spTree>
+    <p:extLst>
+      <p:ext uri="{BB962C8B-B14F-4D97-AF65-F5344CB8AC3E}">
+        <p14:creationId xmlns:p14="http://schemas.microsoft.com/office/powerpoint/2010/main" val="3199924519"/>
+      </p:ext>
+    </p:extLst>
+  </p:cSld>
+  <p:clrMapOvr>
+    <a:masterClrMapping/>
+  </p:clrMapOvr>
+</p:sld>
+</file>
+
+<file path=ppt/slides/slide11.xml><?xml version="1.0" encoding="utf-8"?>
+<p:sld xmlns:a="http://schemas.openxmlformats.org/drawingml/2006/main" xmlns:r="http://schemas.openxmlformats.org/officeDocument/2006/relationships" xmlns:p="http://schemas.openxmlformats.org/presentationml/2006/main">
+  <p:cSld>
+    <p:spTree>
+      <p:nvGrpSpPr>
+        <p:cNvPr id="1" name=""/>
+        <p:cNvGrpSpPr/>
+        <p:nvPr/>
+      </p:nvGrpSpPr>
+      <p:grpSpPr>
+        <a:xfrm>
+          <a:off x="0" y="0"/>
+          <a:ext cx="0" cy="0"/>
+          <a:chOff x="0" y="0"/>
+          <a:chExt cx="0" cy="0"/>
+        </a:xfrm>
+      </p:grpSpPr>
+      <p:sp>
+        <p:nvSpPr>
+          <p:cNvPr id="2" name="Title 1">
+            <a:extLst>
+              <a:ext uri="{FF2B5EF4-FFF2-40B4-BE49-F238E27FC236}">
+                <a16:creationId xmlns:a16="http://schemas.microsoft.com/office/drawing/2014/main" id="{C8D9320F-29C6-47DD-BA4D-52BCC9B69D95}"/>
+              </a:ext>
+            </a:extLst>
+          </p:cNvPr>
+          <p:cNvSpPr>
+            <a:spLocks noGrp="1"/>
+          </p:cNvSpPr>
+          <p:nvPr>
+            <p:ph type="title"/>
+          </p:nvPr>
+        </p:nvSpPr>
+        <p:spPr>
+          <a:xfrm>
+            <a:off x="1575111" y="2289788"/>
+            <a:ext cx="9520158" cy="1049235"/>
+          </a:xfrm>
+        </p:spPr>
+        <p:txBody>
+          <a:bodyPr>
+            <a:normAutofit/>
+          </a:bodyPr>
+          <a:lstStyle/>
+          <a:p>
+            <a:pPr algn="ctr"/>
+            <a:r>
+              <a:rPr lang="en-US" sz="4000" b="1" dirty="0"/>
+              <a:t>Questions?</a:t>
+            </a:r>
+          </a:p>
+        </p:txBody>
+      </p:sp>
+    </p:spTree>
+    <p:extLst>
+      <p:ext uri="{BB962C8B-B14F-4D97-AF65-F5344CB8AC3E}">
+        <p14:creationId xmlns:p14="http://schemas.microsoft.com/office/powerpoint/2010/main" val="3432052620"/>
+      </p:ext>
+    </p:extLst>
+  </p:cSld>
+  <p:clrMapOvr>
+    <a:masterClrMapping/>
+  </p:clrMapOvr>
+</p:sld>
+</file>
+
+<file path=ppt/slides/slide12.xml><?xml version="1.0" encoding="utf-8"?>
+<p:sld xmlns:a="http://schemas.openxmlformats.org/drawingml/2006/main" xmlns:r="http://schemas.openxmlformats.org/officeDocument/2006/relationships" xmlns:p="http://schemas.openxmlformats.org/presentationml/2006/main">
+  <p:cSld>
     <p:spTree>
       <p:nvGrpSpPr>
         <p:cNvPr id="1" name=""/>
@@ -4435,77 +5324,49 @@
           <a:p>
             <a:pPr lvl="1"/>
             <a:r>
-              <a:rPr lang="en-US" sz="2400" dirty="0">
-                <a:solidFill>
-                  <a:schemeClr val="tx2"/>
-                </a:solidFill>
-              </a:rPr>
+              <a:rPr lang="en-US" sz="2400" dirty="0"/>
               <a:t>Create Test Scenarios</a:t>
             </a:r>
           </a:p>
           <a:p>
             <a:pPr lvl="1"/>
             <a:r>
-              <a:rPr lang="en-US" sz="2400" dirty="0">
-                <a:solidFill>
-                  <a:schemeClr val="tx2"/>
-                </a:solidFill>
-              </a:rPr>
+              <a:rPr lang="en-US" sz="2400" dirty="0"/>
               <a:t>MD5 Hash setup</a:t>
             </a:r>
           </a:p>
           <a:p>
             <a:pPr lvl="1"/>
             <a:r>
-              <a:rPr lang="en-US" sz="2400" dirty="0">
-                <a:solidFill>
-                  <a:schemeClr val="tx2"/>
-                </a:solidFill>
-              </a:rPr>
+              <a:rPr lang="en-US" sz="2400" dirty="0"/>
               <a:t>Professor Timer function</a:t>
             </a:r>
           </a:p>
           <a:p>
             <a:pPr lvl="1"/>
             <a:r>
-              <a:rPr lang="en-US" sz="2400" dirty="0">
-                <a:solidFill>
-                  <a:schemeClr val="tx2"/>
-                </a:solidFill>
-              </a:rPr>
+              <a:rPr lang="en-US" sz="2400" dirty="0"/>
               <a:t>Attendance Database Layout</a:t>
             </a:r>
           </a:p>
           <a:p>
             <a:pPr lvl="1"/>
             <a:r>
-              <a:rPr lang="en-US" sz="2400" dirty="0">
-                <a:solidFill>
-                  <a:schemeClr val="tx2"/>
-                </a:solidFill>
-              </a:rPr>
+              <a:rPr lang="en-US" sz="2400" dirty="0"/>
               <a:t>Cache First Time Login Data</a:t>
             </a:r>
           </a:p>
           <a:p>
             <a:pPr lvl="1"/>
             <a:r>
-              <a:rPr lang="en-US" sz="2400" dirty="0">
-                <a:solidFill>
-                  <a:schemeClr val="tx2"/>
-                </a:solidFill>
-              </a:rPr>
+              <a:rPr lang="en-US" sz="2400" dirty="0"/>
               <a:t>Burndown Chart</a:t>
             </a:r>
           </a:p>
           <a:p>
             <a:pPr lvl="1"/>
             <a:r>
-              <a:rPr lang="en-US" sz="2400" dirty="0">
-                <a:solidFill>
-                  <a:schemeClr val="tx2"/>
-                </a:solidFill>
-              </a:rPr>
+              <a:rPr lang="en-US" sz="2400" dirty="0"/>
               <a:t>Velocity Report</a:t>
             </a:r>
           </a:p>
@@ -4642,19 +5503,19 @@
           <a:lstStyle/>
           <a:p>
             <a:r>
-              <a:rPr lang="en-US" dirty="0"/>
+              <a:rPr lang="en-US" sz="2400" dirty="0"/>
               <a:t>Database-Timer Evaluation</a:t>
             </a:r>
           </a:p>
           <a:p>
             <a:r>
-              <a:rPr lang="en-US" dirty="0"/>
+              <a:rPr lang="en-US" sz="2400" dirty="0"/>
               <a:t>Compare Timer and Hash</a:t>
             </a:r>
           </a:p>
           <a:p>
             <a:r>
-              <a:rPr lang="en-US" dirty="0"/>
+              <a:rPr lang="en-US" sz="2400" dirty="0"/>
               <a:t>Connect Professor side with API</a:t>
             </a:r>
           </a:p>
@@ -4714,12 +5575,14 @@
         </p:nvSpPr>
         <p:spPr/>
         <p:txBody>
-          <a:bodyPr/>
+          <a:bodyPr>
+            <a:normAutofit fontScale="90000"/>
+          </a:bodyPr>
           <a:lstStyle/>
           <a:p>
             <a:r>
               <a:rPr lang="en-US" dirty="0"/>
-              <a:t>Test Scenarios</a:t>
+              <a:t>Test Scenario 1: The Professor can take the attendance for their class and can review the attendance</a:t>
             </a:r>
           </a:p>
         </p:txBody>
@@ -4742,76 +5605,132 @@
         </p:nvSpPr>
         <p:spPr>
           <a:xfrm>
-            <a:off x="1743243" y="2015732"/>
-            <a:ext cx="2709058" cy="3450613"/>
+            <a:off x="1534696" y="2066100"/>
+            <a:ext cx="9728703" cy="3450613"/>
           </a:xfrm>
         </p:spPr>
         <p:txBody>
           <a:bodyPr>
-            <a:normAutofit fontScale="62500" lnSpcReduction="20000"/>
+            <a:normAutofit fontScale="92500"/>
           </a:bodyPr>
           <a:lstStyle/>
           <a:p>
-            <a:r>
-              <a:rPr lang="en-US" dirty="0"/>
-              <a:t>Scenario 1: The Professor can take the attendance for their class and can review the attendance</a:t>
-            </a:r>
-          </a:p>
-          <a:p>
             <a:pPr lvl="1"/>
             <a:r>
-              <a:rPr lang="en-US" dirty="0"/>
+              <a:rPr lang="en-US" sz="2800" dirty="0"/>
               <a:t>Case 1: Can the professor login to the app?</a:t>
             </a:r>
           </a:p>
           <a:p>
             <a:pPr lvl="1"/>
             <a:r>
-              <a:rPr lang="en-US" dirty="0"/>
+              <a:rPr lang="en-US" sz="2800" dirty="0"/>
               <a:t>Case 2: Does the app store the professor’s login information?</a:t>
             </a:r>
           </a:p>
           <a:p>
             <a:pPr lvl="1"/>
             <a:r>
-              <a:rPr lang="en-US" dirty="0"/>
+              <a:rPr lang="en-US" sz="2800" dirty="0"/>
               <a:t>Case 3: Can the professor create a timer for attendance?</a:t>
             </a:r>
           </a:p>
           <a:p>
             <a:pPr lvl="1"/>
             <a:r>
-              <a:rPr lang="en-US" dirty="0"/>
+              <a:rPr lang="en-US" sz="2800" dirty="0"/>
               <a:t>Case 4: Does the app access the class database?</a:t>
             </a:r>
           </a:p>
           <a:p>
             <a:pPr lvl="1"/>
             <a:r>
-              <a:rPr lang="en-US" dirty="0"/>
+              <a:rPr lang="en-US" sz="2800" dirty="0"/>
               <a:t>Case 5: Can the professor request the class attendance from the database?</a:t>
             </a:r>
           </a:p>
         </p:txBody>
       </p:sp>
-      <p:sp>
-        <p:nvSpPr>
-          <p:cNvPr id="5" name="Content Placeholder 2">
+    </p:spTree>
+    <p:extLst>
+      <p:ext uri="{BB962C8B-B14F-4D97-AF65-F5344CB8AC3E}">
+        <p14:creationId xmlns:p14="http://schemas.microsoft.com/office/powerpoint/2010/main" val="20898966"/>
+      </p:ext>
+    </p:extLst>
+  </p:cSld>
+  <p:clrMapOvr>
+    <a:masterClrMapping/>
+  </p:clrMapOvr>
+</p:sld>
+</file>
+
+<file path=ppt/slides/slide7.xml><?xml version="1.0" encoding="utf-8"?>
+<p:sld xmlns:a="http://schemas.openxmlformats.org/drawingml/2006/main" xmlns:r="http://schemas.openxmlformats.org/officeDocument/2006/relationships" xmlns:p="http://schemas.openxmlformats.org/presentationml/2006/main">
+  <p:cSld>
+    <p:spTree>
+      <p:nvGrpSpPr>
+        <p:cNvPr id="1" name=""/>
+        <p:cNvGrpSpPr/>
+        <p:nvPr/>
+      </p:nvGrpSpPr>
+      <p:grpSpPr>
+        <a:xfrm>
+          <a:off x="0" y="0"/>
+          <a:ext cx="0" cy="0"/>
+          <a:chOff x="0" y="0"/>
+          <a:chExt cx="0" cy="0"/>
+        </a:xfrm>
+      </p:grpSpPr>
+      <p:sp>
+        <p:nvSpPr>
+          <p:cNvPr id="2" name="Title 1">
             <a:extLst>
               <a:ext uri="{FF2B5EF4-FFF2-40B4-BE49-F238E27FC236}">
-                <a16:creationId xmlns:a16="http://schemas.microsoft.com/office/drawing/2014/main" id="{9A03E6E8-8EBE-4CBB-96F1-2842A3BDCEDC}"/>
+                <a16:creationId xmlns:a16="http://schemas.microsoft.com/office/drawing/2014/main" id="{E4AB908D-1947-421F-8BF1-01DBB035B946}"/>
+              </a:ext>
+            </a:extLst>
+          </p:cNvPr>
+          <p:cNvSpPr>
+            <a:spLocks noGrp="1"/>
+          </p:cNvSpPr>
+          <p:nvPr>
+            <p:ph type="title"/>
+          </p:nvPr>
+        </p:nvSpPr>
+        <p:spPr/>
+        <p:txBody>
+          <a:bodyPr>
+            <a:normAutofit fontScale="90000"/>
+          </a:bodyPr>
+          <a:lstStyle/>
+          <a:p>
+            <a:r>
+              <a:rPr lang="en-US" dirty="0"/>
+              <a:t>Test Scenario 2: The student can mark their attendance using the app based on their current location</a:t>
+            </a:r>
+          </a:p>
+        </p:txBody>
+      </p:sp>
+      <p:sp>
+        <p:nvSpPr>
+          <p:cNvPr id="4" name="Content Placeholder 2">
+            <a:extLst>
+              <a:ext uri="{FF2B5EF4-FFF2-40B4-BE49-F238E27FC236}">
+                <a16:creationId xmlns:a16="http://schemas.microsoft.com/office/drawing/2014/main" id="{6F116A0C-30ED-4B17-9D38-4FA15C14E069}"/>
               </a:ext>
             </a:extLst>
           </p:cNvPr>
           <p:cNvSpPr txBox="1">
-            <a:spLocks/>
-          </p:cNvSpPr>
-          <p:nvPr/>
-        </p:nvSpPr>
-        <p:spPr>
-          <a:xfrm>
-            <a:off x="4940246" y="2015732"/>
-            <a:ext cx="2709058" cy="3450613"/>
+            <a:spLocks noGrp="1"/>
+          </p:cNvSpPr>
+          <p:nvPr>
+            <p:ph idx="1"/>
+          </p:nvPr>
+        </p:nvSpPr>
+        <p:spPr>
+          <a:xfrm>
+            <a:off x="1535113" y="2016125"/>
+            <a:ext cx="9520237" cy="3449638"/>
           </a:xfrm>
           <a:prstGeom prst="rect">
             <a:avLst/>
@@ -4819,7 +5738,7 @@
         </p:spPr>
         <p:txBody>
           <a:bodyPr vert="horz" lIns="91440" tIns="45720" rIns="91440" bIns="45720" rtlCol="0" anchor="t">
-            <a:normAutofit fontScale="62500" lnSpcReduction="20000"/>
+            <a:normAutofit fontScale="92500"/>
           </a:bodyPr>
           <a:lstStyle>
             <a:lvl1pPr marL="228600" indent="-228600" algn="l" defTabSz="914400" rtl="0" eaLnBrk="1" latinLnBrk="0" hangingPunct="1">
@@ -5031,66 +5950,130 @@
             </a:lvl9pPr>
           </a:lstStyle>
           <a:p>
-            <a:r>
-              <a:rPr lang="en-US" dirty="0"/>
-              <a:t>Scenario 2: The student can mark their attendance using the app based on their current location</a:t>
-            </a:r>
-          </a:p>
-          <a:p>
             <a:pPr lvl="1"/>
             <a:r>
-              <a:rPr lang="en-US" dirty="0"/>
+              <a:rPr lang="en-US" sz="2800" dirty="0"/>
               <a:t>Case 1: Can the student enter their login credentials?</a:t>
             </a:r>
           </a:p>
           <a:p>
             <a:pPr lvl="1"/>
             <a:r>
-              <a:rPr lang="en-US" dirty="0"/>
+              <a:rPr lang="en-US" sz="2800" dirty="0"/>
               <a:t>Case 2: Is the student login info cached?</a:t>
             </a:r>
           </a:p>
           <a:p>
             <a:pPr lvl="1"/>
             <a:r>
-              <a:rPr lang="en-US" dirty="0"/>
+              <a:rPr lang="en-US" sz="2800" dirty="0"/>
               <a:t>Case 3: Is the student’s location monitored using the app?</a:t>
             </a:r>
           </a:p>
           <a:p>
             <a:pPr lvl="1"/>
             <a:r>
-              <a:rPr lang="en-US" dirty="0"/>
+              <a:rPr lang="en-US" sz="2800" dirty="0"/>
               <a:t>Case 4: Can the student successfully login to a class?</a:t>
             </a:r>
           </a:p>
           <a:p>
             <a:pPr lvl="1"/>
             <a:r>
-              <a:rPr lang="en-US" dirty="0"/>
+              <a:rPr lang="en-US" sz="2800" dirty="0"/>
               <a:t>Case 5: Does the app correctly set the timer created by the professor?</a:t>
             </a:r>
           </a:p>
         </p:txBody>
       </p:sp>
-      <p:sp>
-        <p:nvSpPr>
-          <p:cNvPr id="6" name="Content Placeholder 2">
+    </p:spTree>
+    <p:extLst>
+      <p:ext uri="{BB962C8B-B14F-4D97-AF65-F5344CB8AC3E}">
+        <p14:creationId xmlns:p14="http://schemas.microsoft.com/office/powerpoint/2010/main" val="180243105"/>
+      </p:ext>
+    </p:extLst>
+  </p:cSld>
+  <p:clrMapOvr>
+    <a:masterClrMapping/>
+  </p:clrMapOvr>
+</p:sld>
+</file>
+
+<file path=ppt/slides/slide8.xml><?xml version="1.0" encoding="utf-8"?>
+<p:sld xmlns:a="http://schemas.openxmlformats.org/drawingml/2006/main" xmlns:r="http://schemas.openxmlformats.org/officeDocument/2006/relationships" xmlns:p="http://schemas.openxmlformats.org/presentationml/2006/main">
+  <p:cSld>
+    <p:spTree>
+      <p:nvGrpSpPr>
+        <p:cNvPr id="1" name=""/>
+        <p:cNvGrpSpPr/>
+        <p:nvPr/>
+      </p:nvGrpSpPr>
+      <p:grpSpPr>
+        <a:xfrm>
+          <a:off x="0" y="0"/>
+          <a:ext cx="0" cy="0"/>
+          <a:chOff x="0" y="0"/>
+          <a:chExt cx="0" cy="0"/>
+        </a:xfrm>
+      </p:grpSpPr>
+      <p:sp>
+        <p:nvSpPr>
+          <p:cNvPr id="2" name="Title 1">
             <a:extLst>
               <a:ext uri="{FF2B5EF4-FFF2-40B4-BE49-F238E27FC236}">
-                <a16:creationId xmlns:a16="http://schemas.microsoft.com/office/drawing/2014/main" id="{50688D40-394A-4968-8773-371B68D83148}"/>
+                <a16:creationId xmlns:a16="http://schemas.microsoft.com/office/drawing/2014/main" id="{87D46C5F-6040-41AF-BEB5-ACEB47A48199}"/>
+              </a:ext>
+            </a:extLst>
+          </p:cNvPr>
+          <p:cNvSpPr>
+            <a:spLocks noGrp="1"/>
+          </p:cNvSpPr>
+          <p:nvPr>
+            <p:ph type="title"/>
+          </p:nvPr>
+        </p:nvSpPr>
+        <p:spPr/>
+        <p:txBody>
+          <a:bodyPr>
+            <a:normAutofit/>
+          </a:bodyPr>
+          <a:lstStyle/>
+          <a:p>
+            <a:r>
+              <a:rPr lang="en-US" sz="2900" dirty="0"/>
+              <a:t>Test Scenario 3: The application frontend can communicate with the </a:t>
+            </a:r>
+            <a:r>
+              <a:rPr lang="en-US" sz="2900" dirty="0" err="1"/>
+              <a:t>api</a:t>
+            </a:r>
+            <a:r>
+              <a:rPr lang="en-US" sz="2900" dirty="0"/>
+              <a:t> and the database</a:t>
+            </a:r>
+          </a:p>
+        </p:txBody>
+      </p:sp>
+      <p:sp>
+        <p:nvSpPr>
+          <p:cNvPr id="4" name="Content Placeholder 2">
+            <a:extLst>
+              <a:ext uri="{FF2B5EF4-FFF2-40B4-BE49-F238E27FC236}">
+                <a16:creationId xmlns:a16="http://schemas.microsoft.com/office/drawing/2014/main" id="{33E05414-8636-4589-94AC-BF23CFF90968}"/>
               </a:ext>
             </a:extLst>
           </p:cNvPr>
           <p:cNvSpPr txBox="1">
-            <a:spLocks/>
-          </p:cNvSpPr>
-          <p:nvPr/>
-        </p:nvSpPr>
-        <p:spPr>
-          <a:xfrm>
-            <a:off x="8137249" y="2015732"/>
-            <a:ext cx="2709058" cy="3450613"/>
+            <a:spLocks noGrp="1"/>
+          </p:cNvSpPr>
+          <p:nvPr>
+            <p:ph idx="1"/>
+          </p:nvPr>
+        </p:nvSpPr>
+        <p:spPr>
+          <a:xfrm>
+            <a:off x="1535113" y="2016125"/>
+            <a:ext cx="9520237" cy="3449638"/>
           </a:xfrm>
           <a:prstGeom prst="rect">
             <a:avLst/>
@@ -5098,7 +6081,7 @@
         </p:spPr>
         <p:txBody>
           <a:bodyPr vert="horz" lIns="91440" tIns="45720" rIns="91440" bIns="45720" rtlCol="0" anchor="t">
-            <a:normAutofit fontScale="55000" lnSpcReduction="20000"/>
+            <a:normAutofit fontScale="92500" lnSpcReduction="10000"/>
           </a:bodyPr>
           <a:lstStyle>
             <a:lvl1pPr marL="228600" indent="-228600" algn="l" defTabSz="914400" rtl="0" eaLnBrk="1" latinLnBrk="0" hangingPunct="1">
@@ -5310,59 +6293,45 @@
             </a:lvl9pPr>
           </a:lstStyle>
           <a:p>
-            <a:r>
-              <a:rPr lang="en-US" dirty="0"/>
-              <a:t>Scenario 3: The application frontend can communicate with the </a:t>
-            </a:r>
-            <a:r>
-              <a:rPr lang="en-US" dirty="0" err="1"/>
+            <a:pPr lvl="1"/>
+            <a:r>
+              <a:rPr lang="en-US" sz="2400" dirty="0"/>
+              <a:t>Case 1: Does the frontend send the correct request to the backend </a:t>
+            </a:r>
+            <a:r>
+              <a:rPr lang="en-US" sz="2400" dirty="0" err="1"/>
               <a:t>api</a:t>
             </a:r>
             <a:r>
-              <a:rPr lang="en-US" dirty="0"/>
-              <a:t> and the database</a:t>
+              <a:rPr lang="en-US" sz="2400" dirty="0"/>
+              <a:t>?</a:t>
             </a:r>
           </a:p>
           <a:p>
             <a:pPr lvl="1"/>
             <a:r>
-              <a:rPr lang="en-US" dirty="0"/>
-              <a:t>Case 1: Does the frontend send the correct request to the backend </a:t>
-            </a:r>
-            <a:r>
-              <a:rPr lang="en-US" dirty="0" err="1"/>
-              <a:t>api</a:t>
-            </a:r>
-            <a:r>
-              <a:rPr lang="en-US" dirty="0"/>
-              <a:t>?</a:t>
+              <a:rPr lang="en-US" sz="2400" dirty="0"/>
+              <a:t>Case 2: Does the backend send a response back from the frontend request?</a:t>
             </a:r>
           </a:p>
           <a:p>
             <a:pPr lvl="1"/>
             <a:r>
-              <a:rPr lang="en-US" dirty="0"/>
-              <a:t>Case 2: Does the backend send a response back from the frontend request?</a:t>
+              <a:rPr lang="en-US" sz="2400" dirty="0"/>
+              <a:t>Case 3: Can the frontend read the response from the backend?</a:t>
             </a:r>
           </a:p>
           <a:p>
             <a:pPr lvl="1"/>
             <a:r>
-              <a:rPr lang="en-US" dirty="0"/>
-              <a:t>Case 3: Can the frontend read the response from the backend?</a:t>
+              <a:rPr lang="en-US" sz="2400" dirty="0"/>
+              <a:t>Case 4: Does the backend send the requested data in the correct format?</a:t>
             </a:r>
           </a:p>
           <a:p>
             <a:pPr lvl="1"/>
             <a:r>
-              <a:rPr lang="en-US" dirty="0"/>
-              <a:t>Case 4: Does the backend send the requested data in the correct format?</a:t>
-            </a:r>
-          </a:p>
-          <a:p>
-            <a:pPr lvl="1"/>
-            <a:r>
-              <a:rPr lang="en-US" dirty="0"/>
+              <a:rPr lang="en-US" sz="2400" dirty="0"/>
               <a:t>Case 5: Does the frontend respond correctly to errors regarding connecting to the backend?</a:t>
             </a:r>
           </a:p>
@@ -5371,7 +6340,7 @@
     </p:spTree>
     <p:extLst>
       <p:ext uri="{BB962C8B-B14F-4D97-AF65-F5344CB8AC3E}">
-        <p14:creationId xmlns:p14="http://schemas.microsoft.com/office/powerpoint/2010/main" val="20898966"/>
+        <p14:creationId xmlns:p14="http://schemas.microsoft.com/office/powerpoint/2010/main" val="2171768282"/>
       </p:ext>
     </p:extLst>
   </p:cSld>
@@ -5381,7 +6350,7 @@
 </p:sld>
 </file>
 
-<file path=ppt/slides/slide7.xml><?xml version="1.0" encoding="utf-8"?>
+<file path=ppt/slides/slide9.xml><?xml version="1.0" encoding="utf-8"?>
 <p:sld xmlns:a="http://schemas.openxmlformats.org/drawingml/2006/main" xmlns:r="http://schemas.openxmlformats.org/officeDocument/2006/relationships" xmlns:p="http://schemas.openxmlformats.org/presentationml/2006/main">
   <p:cSld>
     <p:bg>
@@ -5424,7 +6393,7 @@
       </p:grpSpPr>
       <p:sp>
         <p:nvSpPr>
-          <p:cNvPr id="10" name="Rectangle 9">
+          <p:cNvPr id="64" name="Rectangle 63">
             <a:extLst>
               <a:ext uri="{FF2B5EF4-FFF2-40B4-BE49-F238E27FC236}">
                 <a16:creationId xmlns:a16="http://schemas.microsoft.com/office/drawing/2014/main" id="{DB56CED6-ACD4-43B1-BE53-1B579E8C6EFB}"/>
@@ -5490,7 +6459,7 @@
       </p:sp>
       <p:pic>
         <p:nvPicPr>
-          <p:cNvPr id="12" name="Picture 11">
+          <p:cNvPr id="66" name="Picture 65">
             <a:extLst>
               <a:ext uri="{FF2B5EF4-FFF2-40B4-BE49-F238E27FC236}">
                 <a16:creationId xmlns:a16="http://schemas.microsoft.com/office/drawing/2014/main" id="{5B451061-F85B-40DB-92DA-1FD61C70C3F0}"/>
@@ -5528,7 +6497,7 @@
       </p:pic>
       <p:cxnSp>
         <p:nvCxnSpPr>
-          <p:cNvPr id="14" name="Straight Connector 13">
+          <p:cNvPr id="68" name="Straight Connector 67">
             <a:extLst>
               <a:ext uri="{FF2B5EF4-FFF2-40B4-BE49-F238E27FC236}">
                 <a16:creationId xmlns:a16="http://schemas.microsoft.com/office/drawing/2014/main" id="{D1F836F1-51D4-4090-8E0D-97877F036097}"/>
@@ -5582,7 +6551,7 @@
       </p:cxnSp>
       <p:cxnSp>
         <p:nvCxnSpPr>
-          <p:cNvPr id="16" name="Straight Connector 15">
+          <p:cNvPr id="70" name="Straight Connector 69">
             <a:extLst>
               <a:ext uri="{FF2B5EF4-FFF2-40B4-BE49-F238E27FC236}">
                 <a16:creationId xmlns:a16="http://schemas.microsoft.com/office/drawing/2014/main" id="{CDE33292-50BA-4AED-A315-7A6ADB4B100C}"/>
@@ -5636,7 +6605,7 @@
       </p:cxnSp>
       <p:sp useBgFill="1">
         <p:nvSpPr>
-          <p:cNvPr id="18" name="Rectangle 17">
+          <p:cNvPr id="72" name="Rectangle 71">
             <a:extLst>
               <a:ext uri="{FF2B5EF4-FFF2-40B4-BE49-F238E27FC236}">
                 <a16:creationId xmlns:a16="http://schemas.microsoft.com/office/drawing/2014/main" id="{FE93A4E5-9844-4C94-BE97-92EDCA2EB00A}"/>
@@ -5696,7 +6665,7 @@
       </p:sp>
       <p:sp>
         <p:nvSpPr>
-          <p:cNvPr id="20" name="Rectangle 19">
+          <p:cNvPr id="74" name="Rectangle 73">
             <a:extLst>
               <a:ext uri="{FF2B5EF4-FFF2-40B4-BE49-F238E27FC236}">
                 <a16:creationId xmlns:a16="http://schemas.microsoft.com/office/drawing/2014/main" id="{652113E9-B822-4FC0-9815-D9FD422C4C58}"/>
@@ -5813,7 +6782,7 @@
       </p:sp>
       <p:cxnSp>
         <p:nvCxnSpPr>
-          <p:cNvPr id="22" name="Straight Connector 21">
+          <p:cNvPr id="76" name="Straight Connector 75">
             <a:extLst>
               <a:ext uri="{FF2B5EF4-FFF2-40B4-BE49-F238E27FC236}">
                 <a16:creationId xmlns:a16="http://schemas.microsoft.com/office/drawing/2014/main" id="{54CC25F9-2E48-48AB-8BC0-F5F264549FBE}"/>
@@ -5867,7 +6836,7 @@
       </p:cxnSp>
       <p:grpSp>
         <p:nvGrpSpPr>
-          <p:cNvPr id="24" name="Group 23">
+          <p:cNvPr id="78" name="Group 77">
             <a:extLst>
               <a:ext uri="{FF2B5EF4-FFF2-40B4-BE49-F238E27FC236}">
                 <a16:creationId xmlns:a16="http://schemas.microsoft.com/office/drawing/2014/main" id="{28665850-0FEB-436B-AD92-E1873CA4C046}"/>
@@ -5898,7 +6867,7 @@
         </p:grpSpPr>
         <p:sp>
           <p:nvSpPr>
-            <p:cNvPr id="25" name="Rectangle 24">
+            <p:cNvPr id="79" name="Rectangle 78">
               <a:extLst>
                 <a:ext uri="{FF2B5EF4-FFF2-40B4-BE49-F238E27FC236}">
                   <a16:creationId xmlns:a16="http://schemas.microsoft.com/office/drawing/2014/main" id="{29497226-2365-4B3B-9781-1EA8B98DB110}"/>
@@ -5983,7 +6952,7 @@
         </p:sp>
         <p:sp>
           <p:nvSpPr>
-            <p:cNvPr id="26" name="Rectangle 25">
+            <p:cNvPr id="80" name="Rectangle 79">
               <a:extLst>
                 <a:ext uri="{FF2B5EF4-FFF2-40B4-BE49-F238E27FC236}">
                   <a16:creationId xmlns:a16="http://schemas.microsoft.com/office/drawing/2014/main" id="{5863181C-F135-428D-88EE-BDA1BF33E054}"/>
@@ -6068,7 +7037,7 @@
       </p:grpSp>
       <p:sp>
         <p:nvSpPr>
-          <p:cNvPr id="28" name="Rectangle 27">
+          <p:cNvPr id="82" name="Rectangle 81">
             <a:extLst>
               <a:ext uri="{FF2B5EF4-FFF2-40B4-BE49-F238E27FC236}">
                 <a16:creationId xmlns:a16="http://schemas.microsoft.com/office/drawing/2014/main" id="{FFBBF4E2-8D2F-43D2-865D-87F0B3ED06B8}"/>
@@ -6133,10 +7102,10 @@
       </p:sp>
       <p:pic>
         <p:nvPicPr>
-          <p:cNvPr id="5" name="Content Placeholder 4">
+          <p:cNvPr id="3" name="Content Placeholder 2">
             <a:extLst>
               <a:ext uri="{FF2B5EF4-FFF2-40B4-BE49-F238E27FC236}">
-                <a16:creationId xmlns:a16="http://schemas.microsoft.com/office/drawing/2014/main" id="{5CE841A6-CAC5-409A-AFB2-67B931C000CE}"/>
+                <a16:creationId xmlns:a16="http://schemas.microsoft.com/office/drawing/2014/main" id="{C00CEAFB-D992-42C2-A78F-F203EDE9842E}"/>
               </a:ext>
             </a:extLst>
           </p:cNvPr>
@@ -6147,16 +7116,15 @@
             <p:ph idx="1"/>
           </p:nvPr>
         </p:nvPicPr>
-        <p:blipFill>
+        <p:blipFill rotWithShape="1">
           <a:blip r:embed="rId3"/>
-          <a:stretch>
-            <a:fillRect/>
-          </a:stretch>
+          <a:srcRect t="4511" r="7" b="7"/>
+          <a:stretch/>
         </p:blipFill>
         <p:spPr>
           <a:xfrm>
-            <a:off x="4618374" y="1250946"/>
-            <a:ext cx="6282919" cy="3596970"/>
+            <a:off x="4633326" y="1116345"/>
+            <a:ext cx="6253014" cy="3866172"/>
           </a:xfrm>
           <a:prstGeom prst="rect">
             <a:avLst/>
@@ -6165,7 +7133,7 @@
       </p:pic>
       <p:pic>
         <p:nvPicPr>
-          <p:cNvPr id="30" name="Picture 29">
+          <p:cNvPr id="84" name="Picture 83">
             <a:extLst>
               <a:ext uri="{FF2B5EF4-FFF2-40B4-BE49-F238E27FC236}">
                 <a16:creationId xmlns:a16="http://schemas.microsoft.com/office/drawing/2014/main" id="{8EF1841E-483F-48D2-BEE9-419DB846F052}"/>
@@ -6203,7 +7171,7 @@
       </p:pic>
       <p:cxnSp>
         <p:nvCxnSpPr>
-          <p:cNvPr id="32" name="Straight Connector 31">
+          <p:cNvPr id="86" name="Straight Connector 85">
             <a:extLst>
               <a:ext uri="{FF2B5EF4-FFF2-40B4-BE49-F238E27FC236}">
                 <a16:creationId xmlns:a16="http://schemas.microsoft.com/office/drawing/2014/main" id="{D59C9410-83E0-4382-9205-407BA785C3DE}"/>
@@ -6259,893 +7227,6 @@
     <p:extLst>
       <p:ext uri="{BB962C8B-B14F-4D97-AF65-F5344CB8AC3E}">
         <p14:creationId xmlns:p14="http://schemas.microsoft.com/office/powerpoint/2010/main" val="1925343745"/>
-      </p:ext>
-    </p:extLst>
-  </p:cSld>
-  <p:clrMapOvr>
-    <a:masterClrMapping/>
-  </p:clrMapOvr>
-</p:sld>
-</file>
-
-<file path=ppt/slides/slide8.xml><?xml version="1.0" encoding="utf-8"?>
-<p:sld xmlns:a="http://schemas.openxmlformats.org/drawingml/2006/main" xmlns:r="http://schemas.openxmlformats.org/officeDocument/2006/relationships" xmlns:p="http://schemas.openxmlformats.org/presentationml/2006/main">
-  <p:cSld>
-    <p:bg>
-      <p:bgPr>
-        <a:gradFill rotWithShape="1">
-          <a:gsLst>
-            <a:gs pos="0">
-              <a:schemeClr val="bg2">
-                <a:tint val="94000"/>
-                <a:satMod val="80000"/>
-                <a:lumMod val="106000"/>
-              </a:schemeClr>
-            </a:gs>
-            <a:gs pos="100000">
-              <a:schemeClr val="bg2">
-                <a:shade val="80000"/>
-              </a:schemeClr>
-            </a:gs>
-          </a:gsLst>
-          <a:path path="circle">
-            <a:fillToRect l="43000" r="43000" b="100000"/>
-          </a:path>
-        </a:gradFill>
-        <a:effectLst/>
-      </p:bgPr>
-    </p:bg>
-    <p:spTree>
-      <p:nvGrpSpPr>
-        <p:cNvPr id="1" name=""/>
-        <p:cNvGrpSpPr/>
-        <p:nvPr/>
-      </p:nvGrpSpPr>
-      <p:grpSpPr>
-        <a:xfrm>
-          <a:off x="0" y="0"/>
-          <a:ext cx="0" cy="0"/>
-          <a:chOff x="0" y="0"/>
-          <a:chExt cx="0" cy="0"/>
-        </a:xfrm>
-      </p:grpSpPr>
-      <p:sp>
-        <p:nvSpPr>
-          <p:cNvPr id="10" name="Rectangle 9">
-            <a:extLst>
-              <a:ext uri="{FF2B5EF4-FFF2-40B4-BE49-F238E27FC236}">
-                <a16:creationId xmlns:a16="http://schemas.microsoft.com/office/drawing/2014/main" id="{1034510A-DB30-456D-9F45-F70101243FCB}"/>
-              </a:ext>
-              <a:ext uri="{C183D7F6-B498-43B3-948B-1728B52AA6E4}">
-                <adec:decorative xmlns:adec="http://schemas.microsoft.com/office/drawing/2017/decorative" val="1"/>
-              </a:ext>
-            </a:extLst>
-          </p:cNvPr>
-          <p:cNvSpPr>
-            <a:spLocks noGrp="1" noRot="1" noChangeAspect="1" noMove="1" noResize="1" noEditPoints="1" noAdjustHandles="1" noChangeArrowheads="1" noChangeShapeType="1" noTextEdit="1"/>
-          </p:cNvSpPr>
-          <p:nvPr>
-            <p:extLst>
-              <p:ext uri="{386F3935-93C4-4BCD-93E2-E3B085C9AB24}">
-                <p16:designElem xmlns:p16="http://schemas.microsoft.com/office/powerpoint/2015/main" val="1"/>
-              </p:ext>
-            </p:extLst>
-          </p:nvPr>
-        </p:nvSpPr>
-        <p:spPr>
-          <a:xfrm>
-            <a:off x="0" y="2015732"/>
-            <a:ext cx="12192000" cy="4118829"/>
-          </a:xfrm>
-          <a:prstGeom prst="rect">
-            <a:avLst/>
-          </a:prstGeom>
-          <a:gradFill flip="none" rotWithShape="1">
-            <a:gsLst>
-              <a:gs pos="0">
-                <a:schemeClr val="bg2">
-                  <a:alpha val="0"/>
-                </a:schemeClr>
-              </a:gs>
-              <a:gs pos="100000">
-                <a:schemeClr val="bg2"/>
-              </a:gs>
-            </a:gsLst>
-            <a:lin ang="5400000" scaled="0"/>
-            <a:tileRect/>
-          </a:gradFill>
-          <a:ln>
-            <a:noFill/>
-          </a:ln>
-        </p:spPr>
-        <p:style>
-          <a:lnRef idx="2">
-            <a:schemeClr val="accent1">
-              <a:shade val="50000"/>
-            </a:schemeClr>
-          </a:lnRef>
-          <a:fillRef idx="1">
-            <a:schemeClr val="accent1"/>
-          </a:fillRef>
-          <a:effectRef idx="0">
-            <a:schemeClr val="accent1"/>
-          </a:effectRef>
-          <a:fontRef idx="minor">
-            <a:schemeClr val="lt1"/>
-          </a:fontRef>
-        </p:style>
-      </p:sp>
-      <p:pic>
-        <p:nvPicPr>
-          <p:cNvPr id="12" name="Picture 11">
-            <a:extLst>
-              <a:ext uri="{FF2B5EF4-FFF2-40B4-BE49-F238E27FC236}">
-                <a16:creationId xmlns:a16="http://schemas.microsoft.com/office/drawing/2014/main" id="{D9E3E4AB-D495-4E09-86D0-3C3F1CD33C2A}"/>
-              </a:ext>
-              <a:ext uri="{C183D7F6-B498-43B3-948B-1728B52AA6E4}">
-                <adec:decorative xmlns:adec="http://schemas.microsoft.com/office/drawing/2017/decorative" val="1"/>
-              </a:ext>
-            </a:extLst>
-          </p:cNvPr>
-          <p:cNvPicPr>
-            <a:picLocks noGrp="1" noRot="1" noChangeAspect="1" noMove="1" noResize="1" noEditPoints="1" noAdjustHandles="1" noChangeArrowheads="1" noChangeShapeType="1" noCrop="1"/>
-          </p:cNvPicPr>
-          <p:nvPr>
-            <p:extLst>
-              <p:ext uri="{386F3935-93C4-4BCD-93E2-E3B085C9AB24}">
-                <p16:designElem xmlns:p16="http://schemas.microsoft.com/office/powerpoint/2015/main" val="1"/>
-              </p:ext>
-            </p:extLst>
-          </p:nvPr>
-        </p:nvPicPr>
-        <p:blipFill rotWithShape="1">
-          <a:blip r:embed="rId2"/>
-          <a:srcRect t="2769" b="-2769"/>
-          <a:stretch/>
-        </p:blipFill>
-        <p:spPr>
-          <a:xfrm>
-            <a:off x="0" y="6135624"/>
-            <a:ext cx="12192000" cy="742950"/>
-          </a:xfrm>
-          <a:prstGeom prst="rect">
-            <a:avLst/>
-          </a:prstGeom>
-        </p:spPr>
-      </p:pic>
-      <p:cxnSp>
-        <p:nvCxnSpPr>
-          <p:cNvPr id="14" name="Straight Connector 13">
-            <a:extLst>
-              <a:ext uri="{FF2B5EF4-FFF2-40B4-BE49-F238E27FC236}">
-                <a16:creationId xmlns:a16="http://schemas.microsoft.com/office/drawing/2014/main" id="{59D48945-BEE9-473E-9443-A1CE317E2D69}"/>
-              </a:ext>
-              <a:ext uri="{C183D7F6-B498-43B3-948B-1728B52AA6E4}">
-                <adec:decorative xmlns:adec="http://schemas.microsoft.com/office/drawing/2017/decorative" val="1"/>
-              </a:ext>
-            </a:extLst>
-          </p:cNvPr>
-          <p:cNvCxnSpPr>
-            <a:cxnSpLocks noGrp="1" noRot="1" noChangeAspect="1" noMove="1" noResize="1" noEditPoints="1" noAdjustHandles="1" noChangeArrowheads="1" noChangeShapeType="1"/>
-          </p:cNvCxnSpPr>
-          <p:nvPr>
-            <p:extLst>
-              <p:ext uri="{386F3935-93C4-4BCD-93E2-E3B085C9AB24}">
-                <p16:designElem xmlns:p16="http://schemas.microsoft.com/office/powerpoint/2015/main" val="1"/>
-              </p:ext>
-            </p:extLst>
-          </p:nvPr>
-        </p:nvCxnSpPr>
-        <p:spPr>
-          <a:xfrm>
-            <a:off x="0" y="6141705"/>
-            <a:ext cx="12192000" cy="0"/>
-          </a:xfrm>
-          <a:prstGeom prst="line">
-            <a:avLst/>
-          </a:prstGeom>
-          <a:ln w="12700">
-            <a:solidFill>
-              <a:srgbClr val="000001">
-                <a:alpha val="20000"/>
-              </a:srgbClr>
-            </a:solidFill>
-          </a:ln>
-        </p:spPr>
-        <p:style>
-          <a:lnRef idx="1">
-            <a:schemeClr val="accent1"/>
-          </a:lnRef>
-          <a:fillRef idx="0">
-            <a:schemeClr val="accent1"/>
-          </a:fillRef>
-          <a:effectRef idx="0">
-            <a:schemeClr val="accent1"/>
-          </a:effectRef>
-          <a:fontRef idx="minor">
-            <a:schemeClr val="tx1"/>
-          </a:fontRef>
-        </p:style>
-      </p:cxnSp>
-      <p:cxnSp>
-        <p:nvCxnSpPr>
-          <p:cNvPr id="16" name="Straight Connector 15">
-            <a:extLst>
-              <a:ext uri="{FF2B5EF4-FFF2-40B4-BE49-F238E27FC236}">
-                <a16:creationId xmlns:a16="http://schemas.microsoft.com/office/drawing/2014/main" id="{2DD6752A-2411-44BF-8C92-DF55B95F3ACA}"/>
-              </a:ext>
-              <a:ext uri="{C183D7F6-B498-43B3-948B-1728B52AA6E4}">
-                <adec:decorative xmlns:adec="http://schemas.microsoft.com/office/drawing/2017/decorative" val="1"/>
-              </a:ext>
-            </a:extLst>
-          </p:cNvPr>
-          <p:cNvCxnSpPr>
-            <a:cxnSpLocks noGrp="1" noRot="1" noChangeAspect="1" noMove="1" noResize="1" noEditPoints="1" noAdjustHandles="1" noChangeArrowheads="1" noChangeShapeType="1"/>
-          </p:cNvCxnSpPr>
-          <p:nvPr>
-            <p:extLst>
-              <p:ext uri="{386F3935-93C4-4BCD-93E2-E3B085C9AB24}">
-                <p16:designElem xmlns:p16="http://schemas.microsoft.com/office/powerpoint/2015/main" val="1"/>
-              </p:ext>
-            </p:extLst>
-          </p:nvPr>
-        </p:nvCxnSpPr>
-        <p:spPr>
-          <a:xfrm>
-            <a:off x="2334637" y="798973"/>
-            <a:ext cx="0" cy="2544756"/>
-          </a:xfrm>
-          <a:prstGeom prst="line">
-            <a:avLst/>
-          </a:prstGeom>
-          <a:ln w="38100" cmpd="sng">
-            <a:solidFill>
-              <a:schemeClr val="accent1"/>
-            </a:solidFill>
-            <a:prstDash val="solid"/>
-            <a:tailEnd type="none"/>
-          </a:ln>
-        </p:spPr>
-        <p:style>
-          <a:lnRef idx="3">
-            <a:schemeClr val="accent1"/>
-          </a:lnRef>
-          <a:fillRef idx="0">
-            <a:schemeClr val="accent1"/>
-          </a:fillRef>
-          <a:effectRef idx="2">
-            <a:schemeClr val="accent1"/>
-          </a:effectRef>
-          <a:fontRef idx="minor">
-            <a:schemeClr val="tx1"/>
-          </a:fontRef>
-        </p:style>
-      </p:cxnSp>
-      <p:sp useBgFill="1">
-        <p:nvSpPr>
-          <p:cNvPr id="18" name="Rectangle 17">
-            <a:extLst>
-              <a:ext uri="{FF2B5EF4-FFF2-40B4-BE49-F238E27FC236}">
-                <a16:creationId xmlns:a16="http://schemas.microsoft.com/office/drawing/2014/main" id="{B73AC2FE-07C1-46A1-BB32-2364A2ED7879}"/>
-              </a:ext>
-              <a:ext uri="{C183D7F6-B498-43B3-948B-1728B52AA6E4}">
-                <adec:decorative xmlns:adec="http://schemas.microsoft.com/office/drawing/2017/decorative" val="1"/>
-              </a:ext>
-            </a:extLst>
-          </p:cNvPr>
-          <p:cNvSpPr>
-            <a:spLocks noGrp="1" noRot="1" noChangeAspect="1" noMove="1" noResize="1" noEditPoints="1" noAdjustHandles="1" noChangeArrowheads="1" noChangeShapeType="1" noTextEdit="1"/>
-          </p:cNvSpPr>
-          <p:nvPr>
-            <p:extLst>
-              <p:ext uri="{386F3935-93C4-4BCD-93E2-E3B085C9AB24}">
-                <p16:designElem xmlns:p16="http://schemas.microsoft.com/office/powerpoint/2015/main" val="1"/>
-              </p:ext>
-            </p:extLst>
-          </p:nvPr>
-        </p:nvSpPr>
-        <p:spPr>
-          <a:xfrm>
-            <a:off x="2" y="0"/>
-            <a:ext cx="12191695" cy="6858000"/>
-          </a:xfrm>
-          <a:prstGeom prst="rect">
-            <a:avLst/>
-          </a:prstGeom>
-          <a:ln>
-            <a:noFill/>
-          </a:ln>
-        </p:spPr>
-        <p:style>
-          <a:lnRef idx="2">
-            <a:schemeClr val="accent1">
-              <a:shade val="50000"/>
-            </a:schemeClr>
-          </a:lnRef>
-          <a:fillRef idx="1">
-            <a:schemeClr val="accent1"/>
-          </a:fillRef>
-          <a:effectRef idx="0">
-            <a:schemeClr val="accent1"/>
-          </a:effectRef>
-          <a:fontRef idx="minor">
-            <a:schemeClr val="lt1"/>
-          </a:fontRef>
-        </p:style>
-        <p:txBody>
-          <a:bodyPr rtlCol="0" anchor="ctr"/>
-          <a:lstStyle/>
-          <a:p>
-            <a:pPr algn="ctr"/>
-            <a:endParaRPr lang="en-US"/>
-          </a:p>
-        </p:txBody>
-      </p:sp>
-      <p:sp>
-        <p:nvSpPr>
-          <p:cNvPr id="20" name="Rectangle 19">
-            <a:extLst>
-              <a:ext uri="{FF2B5EF4-FFF2-40B4-BE49-F238E27FC236}">
-                <a16:creationId xmlns:a16="http://schemas.microsoft.com/office/drawing/2014/main" id="{C9520B73-57CF-4733-8E69-379E600E8B53}"/>
-              </a:ext>
-              <a:ext uri="{C183D7F6-B498-43B3-948B-1728B52AA6E4}">
-                <adec:decorative xmlns:adec="http://schemas.microsoft.com/office/drawing/2017/decorative" val="1"/>
-              </a:ext>
-            </a:extLst>
-          </p:cNvPr>
-          <p:cNvSpPr>
-            <a:spLocks noGrp="1" noRot="1" noChangeAspect="1" noMove="1" noResize="1" noEditPoints="1" noAdjustHandles="1" noChangeArrowheads="1" noChangeShapeType="1" noTextEdit="1"/>
-          </p:cNvSpPr>
-          <p:nvPr>
-            <p:extLst>
-              <p:ext uri="{386F3935-93C4-4BCD-93E2-E3B085C9AB24}">
-                <p16:designElem xmlns:p16="http://schemas.microsoft.com/office/powerpoint/2015/main" val="1"/>
-              </p:ext>
-            </p:extLst>
-          </p:nvPr>
-        </p:nvSpPr>
-        <p:spPr>
-          <a:xfrm>
-            <a:off x="0" y="2015732"/>
-            <a:ext cx="12192000" cy="4118829"/>
-          </a:xfrm>
-          <a:prstGeom prst="rect">
-            <a:avLst/>
-          </a:prstGeom>
-          <a:gradFill flip="none" rotWithShape="1">
-            <a:gsLst>
-              <a:gs pos="0">
-                <a:schemeClr val="bg2">
-                  <a:alpha val="0"/>
-                </a:schemeClr>
-              </a:gs>
-              <a:gs pos="100000">
-                <a:schemeClr val="bg2"/>
-              </a:gs>
-            </a:gsLst>
-            <a:lin ang="5400000" scaled="0"/>
-            <a:tileRect/>
-          </a:gradFill>
-          <a:ln>
-            <a:noFill/>
-          </a:ln>
-        </p:spPr>
-        <p:style>
-          <a:lnRef idx="2">
-            <a:schemeClr val="accent1">
-              <a:shade val="50000"/>
-            </a:schemeClr>
-          </a:lnRef>
-          <a:fillRef idx="1">
-            <a:schemeClr val="accent1"/>
-          </a:fillRef>
-          <a:effectRef idx="0">
-            <a:schemeClr val="accent1"/>
-          </a:effectRef>
-          <a:fontRef idx="minor">
-            <a:schemeClr val="lt1"/>
-          </a:fontRef>
-        </p:style>
-        <p:txBody>
-          <a:bodyPr rtlCol="0" anchor="ctr"/>
-          <a:lstStyle/>
-          <a:p>
-            <a:pPr lvl="0" algn="ctr"/>
-            <a:endParaRPr lang="en-US"/>
-          </a:p>
-        </p:txBody>
-      </p:sp>
-      <p:sp>
-        <p:nvSpPr>
-          <p:cNvPr id="2" name="Title 1">
-            <a:extLst>
-              <a:ext uri="{FF2B5EF4-FFF2-40B4-BE49-F238E27FC236}">
-                <a16:creationId xmlns:a16="http://schemas.microsoft.com/office/drawing/2014/main" id="{39B67560-642D-48EE-95B5-F983FF372CCD}"/>
-              </a:ext>
-            </a:extLst>
-          </p:cNvPr>
-          <p:cNvSpPr>
-            <a:spLocks noGrp="1"/>
-          </p:cNvSpPr>
-          <p:nvPr>
-            <p:ph type="title"/>
-          </p:nvPr>
-        </p:nvSpPr>
-        <p:spPr>
-          <a:xfrm>
-            <a:off x="659301" y="1474969"/>
-            <a:ext cx="2823919" cy="1868760"/>
-          </a:xfrm>
-        </p:spPr>
-        <p:txBody>
-          <a:bodyPr vert="horz" lIns="91440" tIns="45720" rIns="91440" bIns="0" rtlCol="0" anchor="b">
-            <a:normAutofit/>
-          </a:bodyPr>
-          <a:lstStyle/>
-          <a:p>
-            <a:r>
-              <a:rPr lang="en-US" sz="3600" b="0" i="0" kern="1200" cap="none">
-                <a:solidFill>
-                  <a:schemeClr val="tx1"/>
-                </a:solidFill>
-                <a:effectLst/>
-                <a:latin typeface="+mj-lt"/>
-                <a:ea typeface="+mj-ea"/>
-                <a:cs typeface="+mj-cs"/>
-              </a:rPr>
-              <a:t>Velocity Chart</a:t>
-            </a:r>
-          </a:p>
-        </p:txBody>
-      </p:sp>
-      <p:cxnSp>
-        <p:nvCxnSpPr>
-          <p:cNvPr id="22" name="Straight Connector 21">
-            <a:extLst>
-              <a:ext uri="{FF2B5EF4-FFF2-40B4-BE49-F238E27FC236}">
-                <a16:creationId xmlns:a16="http://schemas.microsoft.com/office/drawing/2014/main" id="{6B51175B-2BEE-4C31-A61D-53448C067FC7}"/>
-              </a:ext>
-              <a:ext uri="{C183D7F6-B498-43B3-948B-1728B52AA6E4}">
-                <adec:decorative xmlns:adec="http://schemas.microsoft.com/office/drawing/2017/decorative" val="1"/>
-              </a:ext>
-            </a:extLst>
-          </p:cNvPr>
-          <p:cNvCxnSpPr>
-            <a:cxnSpLocks noGrp="1" noRot="1" noChangeAspect="1" noMove="1" noResize="1" noEditPoints="1" noAdjustHandles="1" noChangeArrowheads="1" noChangeShapeType="1"/>
-          </p:cNvCxnSpPr>
-          <p:nvPr>
-            <p:extLst>
-              <p:ext uri="{386F3935-93C4-4BCD-93E2-E3B085C9AB24}">
-                <p16:designElem xmlns:p16="http://schemas.microsoft.com/office/powerpoint/2015/main" val="1"/>
-              </p:ext>
-            </p:extLst>
-          </p:nvPr>
-        </p:nvCxnSpPr>
-        <p:spPr>
-          <a:xfrm>
-            <a:off x="490988" y="807259"/>
-            <a:ext cx="0" cy="2544756"/>
-          </a:xfrm>
-          <a:prstGeom prst="line">
-            <a:avLst/>
-          </a:prstGeom>
-          <a:ln w="38100" cmpd="sng">
-            <a:solidFill>
-              <a:schemeClr val="accent1"/>
-            </a:solidFill>
-            <a:prstDash val="solid"/>
-            <a:tailEnd type="none"/>
-          </a:ln>
-        </p:spPr>
-        <p:style>
-          <a:lnRef idx="3">
-            <a:schemeClr val="accent1"/>
-          </a:lnRef>
-          <a:fillRef idx="0">
-            <a:schemeClr val="accent1"/>
-          </a:fillRef>
-          <a:effectRef idx="2">
-            <a:schemeClr val="accent1"/>
-          </a:effectRef>
-          <a:fontRef idx="minor">
-            <a:schemeClr val="tx1"/>
-          </a:fontRef>
-        </p:style>
-      </p:cxnSp>
-      <p:grpSp>
-        <p:nvGrpSpPr>
-          <p:cNvPr id="24" name="Group 23">
-            <a:extLst>
-              <a:ext uri="{FF2B5EF4-FFF2-40B4-BE49-F238E27FC236}">
-                <a16:creationId xmlns:a16="http://schemas.microsoft.com/office/drawing/2014/main" id="{43CD49F1-982C-4FBE-AF42-13E6BABE844A}"/>
-              </a:ext>
-              <a:ext uri="{C183D7F6-B498-43B3-948B-1728B52AA6E4}">
-                <adec:decorative xmlns:adec="http://schemas.microsoft.com/office/drawing/2017/decorative" val="1"/>
-              </a:ext>
-            </a:extLst>
-          </p:cNvPr>
-          <p:cNvGrpSpPr>
-            <a:grpSpLocks noGrp="1" noUngrp="1" noRot="1" noChangeAspect="1" noMove="1" noResize="1"/>
-          </p:cNvGrpSpPr>
-          <p:nvPr>
-            <p:extLst>
-              <p:ext uri="{386F3935-93C4-4BCD-93E2-E3B085C9AB24}">
-                <p16:designElem xmlns:p16="http://schemas.microsoft.com/office/powerpoint/2015/main" val="1"/>
-              </p:ext>
-            </p:extLst>
-          </p:nvPr>
-        </p:nvGrpSpPr>
-        <p:grpSpPr>
-          <a:xfrm>
-            <a:off x="3979389" y="482171"/>
-            <a:ext cx="7560115" cy="5149101"/>
-            <a:chOff x="3979389" y="482171"/>
-            <a:chExt cx="7560115" cy="5149101"/>
-          </a:xfrm>
-        </p:grpSpPr>
-        <p:sp>
-          <p:nvSpPr>
-            <p:cNvPr id="25" name="Rectangle 24">
-              <a:extLst>
-                <a:ext uri="{FF2B5EF4-FFF2-40B4-BE49-F238E27FC236}">
-                  <a16:creationId xmlns:a16="http://schemas.microsoft.com/office/drawing/2014/main" id="{C00DF66B-601A-4C57-AC68-A80B294EAA2D}"/>
-                </a:ext>
-                <a:ext uri="{C183D7F6-B498-43B3-948B-1728B52AA6E4}">
-                  <adec:decorative xmlns:adec="http://schemas.microsoft.com/office/drawing/2017/decorative" val="1"/>
-                </a:ext>
-              </a:extLst>
-            </p:cNvPr>
-            <p:cNvSpPr/>
-            <p:nvPr>
-              <p:extLst>
-                <p:ext uri="{386F3935-93C4-4BCD-93E2-E3B085C9AB24}">
-                  <p16:designElem xmlns:p16="http://schemas.microsoft.com/office/powerpoint/2015/main" val="1"/>
-                </p:ext>
-              </p:extLst>
-            </p:nvPr>
-          </p:nvSpPr>
-          <p:spPr>
-            <a:xfrm>
-              <a:off x="3979389" y="482171"/>
-              <a:ext cx="7560115" cy="5149101"/>
-            </a:xfrm>
-            <a:prstGeom prst="rect">
-              <a:avLst/>
-            </a:prstGeom>
-            <a:gradFill>
-              <a:gsLst>
-                <a:gs pos="0">
-                  <a:schemeClr val="bg2">
-                    <a:lumMod val="10000"/>
-                  </a:schemeClr>
-                </a:gs>
-                <a:gs pos="100000">
-                  <a:schemeClr val="bg2">
-                    <a:lumMod val="10000"/>
-                  </a:schemeClr>
-                </a:gs>
-              </a:gsLst>
-            </a:gradFill>
-            <a:ln w="76200" cmpd="sng">
-              <a:noFill/>
-              <a:miter lim="800000"/>
-            </a:ln>
-            <a:effectLst>
-              <a:outerShdw blurRad="127000" dist="228600" dir="4740000" sx="98000" sy="98000" algn="tl" rotWithShape="0">
-                <a:srgbClr val="000000">
-                  <a:alpha val="34000"/>
-                </a:srgbClr>
-              </a:outerShdw>
-            </a:effectLst>
-            <a:scene3d>
-              <a:camera prst="orthographicFront"/>
-              <a:lightRig rig="threePt" dir="t"/>
-            </a:scene3d>
-            <a:sp3d prstMaterial="matte">
-              <a:bevelT w="133350" h="50800" prst="divot"/>
-            </a:sp3d>
-          </p:spPr>
-          <p:style>
-            <a:lnRef idx="1">
-              <a:schemeClr val="accent1"/>
-            </a:lnRef>
-            <a:fillRef idx="3">
-              <a:schemeClr val="accent1"/>
-            </a:fillRef>
-            <a:effectRef idx="2">
-              <a:schemeClr val="accent1"/>
-            </a:effectRef>
-            <a:fontRef idx="minor">
-              <a:schemeClr val="lt1"/>
-            </a:fontRef>
-          </p:style>
-          <p:txBody>
-            <a:bodyPr rtlCol="0" anchor="ctr"/>
-            <a:lstStyle/>
-            <a:p>
-              <a:pPr algn="ctr"/>
-              <a:endParaRPr lang="en-US"/>
-            </a:p>
-          </p:txBody>
-        </p:sp>
-        <p:sp>
-          <p:nvSpPr>
-            <p:cNvPr id="26" name="Rectangle 25">
-              <a:extLst>
-                <a:ext uri="{FF2B5EF4-FFF2-40B4-BE49-F238E27FC236}">
-                  <a16:creationId xmlns:a16="http://schemas.microsoft.com/office/drawing/2014/main" id="{2A2E9392-7805-4CAB-8B44-675786FBCAA3}"/>
-                </a:ext>
-                <a:ext uri="{C183D7F6-B498-43B3-948B-1728B52AA6E4}">
-                  <adec:decorative xmlns:adec="http://schemas.microsoft.com/office/drawing/2017/decorative" val="1"/>
-                </a:ext>
-              </a:extLst>
-            </p:cNvPr>
-            <p:cNvSpPr/>
-            <p:nvPr>
-              <p:extLst>
-                <p:ext uri="{386F3935-93C4-4BCD-93E2-E3B085C9AB24}">
-                  <p16:designElem xmlns:p16="http://schemas.microsoft.com/office/powerpoint/2015/main" val="1"/>
-                </p:ext>
-              </p:extLst>
-            </p:nvPr>
-          </p:nvSpPr>
-          <p:spPr>
-            <a:xfrm>
-              <a:off x="4292448" y="812507"/>
-              <a:ext cx="6928279" cy="4466452"/>
-            </a:xfrm>
-            <a:prstGeom prst="rect">
-              <a:avLst/>
-            </a:prstGeom>
-            <a:gradFill>
-              <a:gsLst>
-                <a:gs pos="0">
-                  <a:srgbClr val="DADADA"/>
-                </a:gs>
-                <a:gs pos="100000">
-                  <a:srgbClr val="FFFFFE"/>
-                </a:gs>
-              </a:gsLst>
-              <a:lin ang="16200000" scaled="0"/>
-            </a:gradFill>
-            <a:ln w="50800" cmpd="sng">
-              <a:solidFill>
-                <a:srgbClr val="191919"/>
-              </a:solidFill>
-              <a:miter lim="800000"/>
-            </a:ln>
-            <a:effectLst>
-              <a:innerShdw blurRad="63500" dist="88900" dir="14100000">
-                <a:srgbClr val="000000">
-                  <a:alpha val="30000"/>
-                </a:srgbClr>
-              </a:innerShdw>
-            </a:effectLst>
-            <a:scene3d>
-              <a:camera prst="orthographicFront"/>
-              <a:lightRig rig="threePt" dir="t"/>
-            </a:scene3d>
-            <a:sp3d>
-              <a:bevelT prst="relaxedInset"/>
-            </a:sp3d>
-          </p:spPr>
-          <p:style>
-            <a:lnRef idx="1">
-              <a:schemeClr val="accent1"/>
-            </a:lnRef>
-            <a:fillRef idx="3">
-              <a:schemeClr val="accent1"/>
-            </a:fillRef>
-            <a:effectRef idx="2">
-              <a:schemeClr val="accent1"/>
-            </a:effectRef>
-            <a:fontRef idx="minor">
-              <a:schemeClr val="lt1"/>
-            </a:fontRef>
-          </p:style>
-          <p:txBody>
-            <a:bodyPr rtlCol="0" anchor="ctr"/>
-            <a:lstStyle/>
-            <a:p>
-              <a:pPr algn="ctr"/>
-              <a:endParaRPr lang="en-US"/>
-            </a:p>
-          </p:txBody>
-        </p:sp>
-      </p:grpSp>
-      <p:pic>
-        <p:nvPicPr>
-          <p:cNvPr id="5" name="Content Placeholder 4">
-            <a:extLst>
-              <a:ext uri="{FF2B5EF4-FFF2-40B4-BE49-F238E27FC236}">
-                <a16:creationId xmlns:a16="http://schemas.microsoft.com/office/drawing/2014/main" id="{13B113F4-5173-4F46-9835-32663E7FA67C}"/>
-              </a:ext>
-            </a:extLst>
-          </p:cNvPr>
-          <p:cNvPicPr>
-            <a:picLocks noGrp="1" noChangeAspect="1"/>
-          </p:cNvPicPr>
-          <p:nvPr>
-            <p:ph idx="1"/>
-          </p:nvPr>
-        </p:nvPicPr>
-        <p:blipFill rotWithShape="1">
-          <a:blip r:embed="rId3"/>
-          <a:srcRect r="8996" b="2"/>
-          <a:stretch/>
-        </p:blipFill>
-        <p:spPr>
-          <a:xfrm>
-            <a:off x="4618374" y="1116345"/>
-            <a:ext cx="6282919" cy="3866172"/>
-          </a:xfrm>
-          <a:prstGeom prst="rect">
-            <a:avLst/>
-          </a:prstGeom>
-        </p:spPr>
-      </p:pic>
-      <p:pic>
-        <p:nvPicPr>
-          <p:cNvPr id="28" name="Picture 27">
-            <a:extLst>
-              <a:ext uri="{FF2B5EF4-FFF2-40B4-BE49-F238E27FC236}">
-                <a16:creationId xmlns:a16="http://schemas.microsoft.com/office/drawing/2014/main" id="{960E8265-B467-4C88-B9B5-9350EB092DA2}"/>
-              </a:ext>
-              <a:ext uri="{C183D7F6-B498-43B3-948B-1728B52AA6E4}">
-                <adec:decorative xmlns:adec="http://schemas.microsoft.com/office/drawing/2017/decorative" val="1"/>
-              </a:ext>
-            </a:extLst>
-          </p:cNvPr>
-          <p:cNvPicPr>
-            <a:picLocks noGrp="1" noRot="1" noChangeAspect="1" noMove="1" noResize="1" noEditPoints="1" noAdjustHandles="1" noChangeArrowheads="1" noChangeShapeType="1" noCrop="1"/>
-          </p:cNvPicPr>
-          <p:nvPr>
-            <p:extLst>
-              <p:ext uri="{386F3935-93C4-4BCD-93E2-E3B085C9AB24}">
-                <p16:designElem xmlns:p16="http://schemas.microsoft.com/office/powerpoint/2015/main" val="1"/>
-              </p:ext>
-            </p:extLst>
-          </p:nvPr>
-        </p:nvPicPr>
-        <p:blipFill rotWithShape="1">
-          <a:blip r:embed="rId2"/>
-          <a:srcRect t="2769" b="-2769"/>
-          <a:stretch/>
-        </p:blipFill>
-        <p:spPr>
-          <a:xfrm>
-            <a:off x="0" y="6135624"/>
-            <a:ext cx="12192000" cy="742950"/>
-          </a:xfrm>
-          <a:prstGeom prst="rect">
-            <a:avLst/>
-          </a:prstGeom>
-        </p:spPr>
-      </p:pic>
-      <p:cxnSp>
-        <p:nvCxnSpPr>
-          <p:cNvPr id="30" name="Straight Connector 29">
-            <a:extLst>
-              <a:ext uri="{FF2B5EF4-FFF2-40B4-BE49-F238E27FC236}">
-                <a16:creationId xmlns:a16="http://schemas.microsoft.com/office/drawing/2014/main" id="{DD4A6FD5-17DF-46E5-9EDA-2AAC70F24DF8}"/>
-              </a:ext>
-              <a:ext uri="{C183D7F6-B498-43B3-948B-1728B52AA6E4}">
-                <adec:decorative xmlns:adec="http://schemas.microsoft.com/office/drawing/2017/decorative" val="1"/>
-              </a:ext>
-            </a:extLst>
-          </p:cNvPr>
-          <p:cNvCxnSpPr>
-            <a:cxnSpLocks noGrp="1" noRot="1" noChangeAspect="1" noMove="1" noResize="1" noEditPoints="1" noAdjustHandles="1" noChangeArrowheads="1" noChangeShapeType="1"/>
-          </p:cNvCxnSpPr>
-          <p:nvPr>
-            <p:extLst>
-              <p:ext uri="{386F3935-93C4-4BCD-93E2-E3B085C9AB24}">
-                <p16:designElem xmlns:p16="http://schemas.microsoft.com/office/powerpoint/2015/main" val="1"/>
-              </p:ext>
-            </p:extLst>
-          </p:nvPr>
-        </p:nvCxnSpPr>
-        <p:spPr>
-          <a:xfrm>
-            <a:off x="0" y="6141705"/>
-            <a:ext cx="12192000" cy="0"/>
-          </a:xfrm>
-          <a:prstGeom prst="line">
-            <a:avLst/>
-          </a:prstGeom>
-          <a:ln w="12700">
-            <a:solidFill>
-              <a:srgbClr val="000001">
-                <a:alpha val="20000"/>
-              </a:srgbClr>
-            </a:solidFill>
-          </a:ln>
-        </p:spPr>
-        <p:style>
-          <a:lnRef idx="1">
-            <a:schemeClr val="accent1"/>
-          </a:lnRef>
-          <a:fillRef idx="0">
-            <a:schemeClr val="accent1"/>
-          </a:fillRef>
-          <a:effectRef idx="0">
-            <a:schemeClr val="accent1"/>
-          </a:effectRef>
-          <a:fontRef idx="minor">
-            <a:schemeClr val="tx1"/>
-          </a:fontRef>
-        </p:style>
-      </p:cxnSp>
-    </p:spTree>
-    <p:extLst>
-      <p:ext uri="{BB962C8B-B14F-4D97-AF65-F5344CB8AC3E}">
-        <p14:creationId xmlns:p14="http://schemas.microsoft.com/office/powerpoint/2010/main" val="3199924519"/>
-      </p:ext>
-    </p:extLst>
-  </p:cSld>
-  <p:clrMapOvr>
-    <a:masterClrMapping/>
-  </p:clrMapOvr>
-</p:sld>
-</file>
-
-<file path=ppt/slides/slide9.xml><?xml version="1.0" encoding="utf-8"?>
-<p:sld xmlns:a="http://schemas.openxmlformats.org/drawingml/2006/main" xmlns:r="http://schemas.openxmlformats.org/officeDocument/2006/relationships" xmlns:p="http://schemas.openxmlformats.org/presentationml/2006/main">
-  <p:cSld>
-    <p:spTree>
-      <p:nvGrpSpPr>
-        <p:cNvPr id="1" name=""/>
-        <p:cNvGrpSpPr/>
-        <p:nvPr/>
-      </p:nvGrpSpPr>
-      <p:grpSpPr>
-        <a:xfrm>
-          <a:off x="0" y="0"/>
-          <a:ext cx="0" cy="0"/>
-          <a:chOff x="0" y="0"/>
-          <a:chExt cx="0" cy="0"/>
-        </a:xfrm>
-      </p:grpSpPr>
-      <p:sp>
-        <p:nvSpPr>
-          <p:cNvPr id="2" name="Title 1">
-            <a:extLst>
-              <a:ext uri="{FF2B5EF4-FFF2-40B4-BE49-F238E27FC236}">
-                <a16:creationId xmlns:a16="http://schemas.microsoft.com/office/drawing/2014/main" id="{C8D9320F-29C6-47DD-BA4D-52BCC9B69D95}"/>
-              </a:ext>
-            </a:extLst>
-          </p:cNvPr>
-          <p:cNvSpPr>
-            <a:spLocks noGrp="1"/>
-          </p:cNvSpPr>
-          <p:nvPr>
-            <p:ph type="title"/>
-          </p:nvPr>
-        </p:nvSpPr>
-        <p:spPr>
-          <a:xfrm>
-            <a:off x="1575111" y="2289788"/>
-            <a:ext cx="9520158" cy="1049235"/>
-          </a:xfrm>
-        </p:spPr>
-        <p:txBody>
-          <a:bodyPr>
-            <a:normAutofit/>
-          </a:bodyPr>
-          <a:lstStyle/>
-          <a:p>
-            <a:pPr algn="ctr"/>
-            <a:r>
-              <a:rPr lang="en-US" sz="4000" b="1" dirty="0"/>
-              <a:t>Questions?</a:t>
-            </a:r>
-          </a:p>
-        </p:txBody>
-      </p:sp>
-    </p:spTree>
-    <p:extLst>
-      <p:ext uri="{BB962C8B-B14F-4D97-AF65-F5344CB8AC3E}">
-        <p14:creationId xmlns:p14="http://schemas.microsoft.com/office/powerpoint/2010/main" val="3432052620"/>
       </p:ext>
     </p:extLst>
   </p:cSld>

--- a/FINAL_ATTEND-IN_Sprint_3 (2).pptx
+++ b/FINAL_ATTEND-IN_Sprint_3 (2).pptx
@@ -3782,10 +3782,10 @@
       </p:grpSpPr>
       <p:sp>
         <p:nvSpPr>
-          <p:cNvPr id="35" name="Rectangle 34">
+          <p:cNvPr id="60" name="Rectangle 59">
             <a:extLst>
               <a:ext uri="{FF2B5EF4-FFF2-40B4-BE49-F238E27FC236}">
-                <a16:creationId xmlns:a16="http://schemas.microsoft.com/office/drawing/2014/main" id="{1034510A-DB30-456D-9F45-F70101243FCB}"/>
+                <a16:creationId xmlns:a16="http://schemas.microsoft.com/office/drawing/2014/main" id="{DB56CED6-ACD4-43B1-BE53-1B579E8C6EFB}"/>
               </a:ext>
               <a:ext uri="{C183D7F6-B498-43B3-948B-1728B52AA6E4}">
                 <adec:decorative xmlns:adec="http://schemas.microsoft.com/office/drawing/2017/decorative" val="1"/>
@@ -3848,10 +3848,10 @@
       </p:sp>
       <p:pic>
         <p:nvPicPr>
-          <p:cNvPr id="37" name="Picture 36">
+          <p:cNvPr id="62" name="Picture 61">
             <a:extLst>
               <a:ext uri="{FF2B5EF4-FFF2-40B4-BE49-F238E27FC236}">
-                <a16:creationId xmlns:a16="http://schemas.microsoft.com/office/drawing/2014/main" id="{D9E3E4AB-D495-4E09-86D0-3C3F1CD33C2A}"/>
+                <a16:creationId xmlns:a16="http://schemas.microsoft.com/office/drawing/2014/main" id="{5B451061-F85B-40DB-92DA-1FD61C70C3F0}"/>
               </a:ext>
               <a:ext uri="{C183D7F6-B498-43B3-948B-1728B52AA6E4}">
                 <adec:decorative xmlns:adec="http://schemas.microsoft.com/office/drawing/2017/decorative" val="1"/>
@@ -3886,10 +3886,10 @@
       </p:pic>
       <p:cxnSp>
         <p:nvCxnSpPr>
-          <p:cNvPr id="39" name="Straight Connector 38">
+          <p:cNvPr id="64" name="Straight Connector 63">
             <a:extLst>
               <a:ext uri="{FF2B5EF4-FFF2-40B4-BE49-F238E27FC236}">
-                <a16:creationId xmlns:a16="http://schemas.microsoft.com/office/drawing/2014/main" id="{59D48945-BEE9-473E-9443-A1CE317E2D69}"/>
+                <a16:creationId xmlns:a16="http://schemas.microsoft.com/office/drawing/2014/main" id="{D1F836F1-51D4-4090-8E0D-97877F036097}"/>
               </a:ext>
               <a:ext uri="{C183D7F6-B498-43B3-948B-1728B52AA6E4}">
                 <adec:decorative xmlns:adec="http://schemas.microsoft.com/office/drawing/2017/decorative" val="1"/>
@@ -3940,10 +3940,10 @@
       </p:cxnSp>
       <p:cxnSp>
         <p:nvCxnSpPr>
-          <p:cNvPr id="41" name="Straight Connector 40">
+          <p:cNvPr id="66" name="Straight Connector 65">
             <a:extLst>
               <a:ext uri="{FF2B5EF4-FFF2-40B4-BE49-F238E27FC236}">
-                <a16:creationId xmlns:a16="http://schemas.microsoft.com/office/drawing/2014/main" id="{2DD6752A-2411-44BF-8C92-DF55B95F3ACA}"/>
+                <a16:creationId xmlns:a16="http://schemas.microsoft.com/office/drawing/2014/main" id="{CDE33292-50BA-4AED-A315-7A6ADB4B100C}"/>
               </a:ext>
               <a:ext uri="{C183D7F6-B498-43B3-948B-1728B52AA6E4}">
                 <adec:decorative xmlns:adec="http://schemas.microsoft.com/office/drawing/2017/decorative" val="1"/>
@@ -3994,10 +3994,10 @@
       </p:cxnSp>
       <p:sp useBgFill="1">
         <p:nvSpPr>
-          <p:cNvPr id="43" name="Rectangle 42">
+          <p:cNvPr id="68" name="Rectangle 67">
             <a:extLst>
               <a:ext uri="{FF2B5EF4-FFF2-40B4-BE49-F238E27FC236}">
-                <a16:creationId xmlns:a16="http://schemas.microsoft.com/office/drawing/2014/main" id="{B73AC2FE-07C1-46A1-BB32-2364A2ED7879}"/>
+                <a16:creationId xmlns:a16="http://schemas.microsoft.com/office/drawing/2014/main" id="{FE93A4E5-9844-4C94-BE97-92EDCA2EB00A}"/>
               </a:ext>
               <a:ext uri="{C183D7F6-B498-43B3-948B-1728B52AA6E4}">
                 <adec:decorative xmlns:adec="http://schemas.microsoft.com/office/drawing/2017/decorative" val="1"/>
@@ -4054,10 +4054,10 @@
       </p:sp>
       <p:sp>
         <p:nvSpPr>
-          <p:cNvPr id="45" name="Rectangle 44">
+          <p:cNvPr id="70" name="Rectangle 69">
             <a:extLst>
               <a:ext uri="{FF2B5EF4-FFF2-40B4-BE49-F238E27FC236}">
-                <a16:creationId xmlns:a16="http://schemas.microsoft.com/office/drawing/2014/main" id="{C9520B73-57CF-4733-8E69-379E600E8B53}"/>
+                <a16:creationId xmlns:a16="http://schemas.microsoft.com/office/drawing/2014/main" id="{652113E9-B822-4FC0-9815-D9FD422C4C58}"/>
               </a:ext>
               <a:ext uri="{C183D7F6-B498-43B3-948B-1728B52AA6E4}">
                 <adec:decorative xmlns:adec="http://schemas.microsoft.com/office/drawing/2017/decorative" val="1"/>
@@ -4171,10 +4171,10 @@
       </p:sp>
       <p:cxnSp>
         <p:nvCxnSpPr>
-          <p:cNvPr id="47" name="Straight Connector 46">
+          <p:cNvPr id="72" name="Straight Connector 71">
             <a:extLst>
               <a:ext uri="{FF2B5EF4-FFF2-40B4-BE49-F238E27FC236}">
-                <a16:creationId xmlns:a16="http://schemas.microsoft.com/office/drawing/2014/main" id="{6B51175B-2BEE-4C31-A61D-53448C067FC7}"/>
+                <a16:creationId xmlns:a16="http://schemas.microsoft.com/office/drawing/2014/main" id="{54CC25F9-2E48-48AB-8BC0-F5F264549FBE}"/>
               </a:ext>
               <a:ext uri="{C183D7F6-B498-43B3-948B-1728B52AA6E4}">
                 <adec:decorative xmlns:adec="http://schemas.microsoft.com/office/drawing/2017/decorative" val="1"/>
@@ -4225,10 +4225,10 @@
       </p:cxnSp>
       <p:grpSp>
         <p:nvGrpSpPr>
-          <p:cNvPr id="49" name="Group 48">
+          <p:cNvPr id="74" name="Group 73">
             <a:extLst>
               <a:ext uri="{FF2B5EF4-FFF2-40B4-BE49-F238E27FC236}">
-                <a16:creationId xmlns:a16="http://schemas.microsoft.com/office/drawing/2014/main" id="{43CD49F1-982C-4FBE-AF42-13E6BABE844A}"/>
+                <a16:creationId xmlns:a16="http://schemas.microsoft.com/office/drawing/2014/main" id="{28665850-0FEB-436B-AD92-E1873CA4C046}"/>
               </a:ext>
               <a:ext uri="{C183D7F6-B498-43B3-948B-1728B52AA6E4}">
                 <adec:decorative xmlns:adec="http://schemas.microsoft.com/office/drawing/2017/decorative" val="1"/>
@@ -4256,10 +4256,10 @@
         </p:grpSpPr>
         <p:sp>
           <p:nvSpPr>
-            <p:cNvPr id="50" name="Rectangle 49">
+            <p:cNvPr id="75" name="Rectangle 74">
               <a:extLst>
                 <a:ext uri="{FF2B5EF4-FFF2-40B4-BE49-F238E27FC236}">
-                  <a16:creationId xmlns:a16="http://schemas.microsoft.com/office/drawing/2014/main" id="{C00DF66B-601A-4C57-AC68-A80B294EAA2D}"/>
+                  <a16:creationId xmlns:a16="http://schemas.microsoft.com/office/drawing/2014/main" id="{29497226-2365-4B3B-9781-1EA8B98DB110}"/>
                 </a:ext>
                 <a:ext uri="{C183D7F6-B498-43B3-948B-1728B52AA6E4}">
                   <adec:decorative xmlns:adec="http://schemas.microsoft.com/office/drawing/2017/decorative" val="1"/>
@@ -4341,10 +4341,10 @@
         </p:sp>
         <p:sp>
           <p:nvSpPr>
-            <p:cNvPr id="51" name="Rectangle 50">
+            <p:cNvPr id="76" name="Rectangle 75">
               <a:extLst>
                 <a:ext uri="{FF2B5EF4-FFF2-40B4-BE49-F238E27FC236}">
-                  <a16:creationId xmlns:a16="http://schemas.microsoft.com/office/drawing/2014/main" id="{2A2E9392-7805-4CAB-8B44-675786FBCAA3}"/>
+                  <a16:creationId xmlns:a16="http://schemas.microsoft.com/office/drawing/2014/main" id="{5863181C-F135-428D-88EE-BDA1BF33E054}"/>
                 </a:ext>
                 <a:ext uri="{C183D7F6-B498-43B3-948B-1728B52AA6E4}">
                   <adec:decorative xmlns:adec="http://schemas.microsoft.com/office/drawing/2017/decorative" val="1"/>
@@ -4424,12 +4424,77 @@
           </p:txBody>
         </p:sp>
       </p:grpSp>
+      <p:sp>
+        <p:nvSpPr>
+          <p:cNvPr id="78" name="Rectangle 77">
+            <a:extLst>
+              <a:ext uri="{FF2B5EF4-FFF2-40B4-BE49-F238E27FC236}">
+                <a16:creationId xmlns:a16="http://schemas.microsoft.com/office/drawing/2014/main" id="{FFBBF4E2-8D2F-43D2-865D-87F0B3ED06B8}"/>
+              </a:ext>
+              <a:ext uri="{C183D7F6-B498-43B3-948B-1728B52AA6E4}">
+                <adec:decorative xmlns:adec="http://schemas.microsoft.com/office/drawing/2017/decorative" val="1"/>
+              </a:ext>
+            </a:extLst>
+          </p:cNvPr>
+          <p:cNvSpPr>
+            <a:spLocks noGrp="1" noRot="1" noChangeAspect="1" noMove="1" noResize="1" noEditPoints="1" noAdjustHandles="1" noChangeArrowheads="1" noChangeShapeType="1" noTextEdit="1"/>
+          </p:cNvSpPr>
+          <p:nvPr>
+            <p:extLst>
+              <p:ext uri="{386F3935-93C4-4BCD-93E2-E3B085C9AB24}">
+                <p16:designElem xmlns:p16="http://schemas.microsoft.com/office/powerpoint/2015/main" val="1"/>
+              </p:ext>
+            </p:extLst>
+          </p:nvPr>
+        </p:nvSpPr>
+        <p:spPr>
+          <a:xfrm>
+            <a:off x="4455871" y="977099"/>
+            <a:ext cx="6621291" cy="4136205"/>
+          </a:xfrm>
+          <a:prstGeom prst="rect">
+            <a:avLst/>
+          </a:prstGeom>
+          <a:solidFill>
+            <a:srgbClr val="FFFFFE"/>
+          </a:solidFill>
+          <a:ln w="6350">
+            <a:solidFill>
+              <a:schemeClr val="bg2"/>
+            </a:solidFill>
+          </a:ln>
+        </p:spPr>
+        <p:style>
+          <a:lnRef idx="2">
+            <a:schemeClr val="accent1">
+              <a:shade val="50000"/>
+            </a:schemeClr>
+          </a:lnRef>
+          <a:fillRef idx="1">
+            <a:schemeClr val="accent1"/>
+          </a:fillRef>
+          <a:effectRef idx="0">
+            <a:schemeClr val="accent1"/>
+          </a:effectRef>
+          <a:fontRef idx="minor">
+            <a:schemeClr val="lt1"/>
+          </a:fontRef>
+        </p:style>
+        <p:txBody>
+          <a:bodyPr rtlCol="0" anchor="ctr"/>
+          <a:lstStyle/>
+          <a:p>
+            <a:pPr algn="ctr"/>
+            <a:endParaRPr lang="en-US"/>
+          </a:p>
+        </p:txBody>
+      </p:sp>
       <p:pic>
         <p:nvPicPr>
-          <p:cNvPr id="6" name="Content Placeholder 5">
+          <p:cNvPr id="9" name="Content Placeholder 8">
             <a:extLst>
               <a:ext uri="{FF2B5EF4-FFF2-40B4-BE49-F238E27FC236}">
-                <a16:creationId xmlns:a16="http://schemas.microsoft.com/office/drawing/2014/main" id="{0B6E6720-8D41-4F2C-A568-4EC30C9E1807}"/>
+                <a16:creationId xmlns:a16="http://schemas.microsoft.com/office/drawing/2014/main" id="{E607085E-425C-4327-A69B-7A2B2D36B30D}"/>
               </a:ext>
             </a:extLst>
           </p:cNvPr>
@@ -4440,15 +4505,16 @@
             <p:ph idx="1"/>
           </p:nvPr>
         </p:nvPicPr>
-        <p:blipFill rotWithShape="1">
+        <p:blipFill>
           <a:blip r:embed="rId3"/>
-          <a:srcRect t="4966" r="-2" b="-2"/>
-          <a:stretch/>
+          <a:stretch>
+            <a:fillRect/>
+          </a:stretch>
         </p:blipFill>
         <p:spPr>
           <a:xfrm>
-            <a:off x="4618374" y="1116345"/>
-            <a:ext cx="6282919" cy="3866172"/>
+            <a:off x="4762801" y="1116345"/>
+            <a:ext cx="5994065" cy="3866172"/>
           </a:xfrm>
           <a:prstGeom prst="rect">
             <a:avLst/>
@@ -4457,10 +4523,10 @@
       </p:pic>
       <p:pic>
         <p:nvPicPr>
-          <p:cNvPr id="53" name="Picture 52">
+          <p:cNvPr id="80" name="Picture 79">
             <a:extLst>
               <a:ext uri="{FF2B5EF4-FFF2-40B4-BE49-F238E27FC236}">
-                <a16:creationId xmlns:a16="http://schemas.microsoft.com/office/drawing/2014/main" id="{960E8265-B467-4C88-B9B5-9350EB092DA2}"/>
+                <a16:creationId xmlns:a16="http://schemas.microsoft.com/office/drawing/2014/main" id="{8EF1841E-483F-48D2-BEE9-419DB846F052}"/>
               </a:ext>
               <a:ext uri="{C183D7F6-B498-43B3-948B-1728B52AA6E4}">
                 <adec:decorative xmlns:adec="http://schemas.microsoft.com/office/drawing/2017/decorative" val="1"/>
@@ -4495,10 +4561,10 @@
       </p:pic>
       <p:cxnSp>
         <p:nvCxnSpPr>
-          <p:cNvPr id="55" name="Straight Connector 54">
+          <p:cNvPr id="82" name="Straight Connector 81">
             <a:extLst>
               <a:ext uri="{FF2B5EF4-FFF2-40B4-BE49-F238E27FC236}">
-                <a16:creationId xmlns:a16="http://schemas.microsoft.com/office/drawing/2014/main" id="{DD4A6FD5-17DF-46E5-9EDA-2AAC70F24DF8}"/>
+                <a16:creationId xmlns:a16="http://schemas.microsoft.com/office/drawing/2014/main" id="{D59C9410-83E0-4382-9205-407BA785C3DE}"/>
               </a:ext>
               <a:ext uri="{C183D7F6-B498-43B3-948B-1728B52AA6E4}">
                 <adec:decorative xmlns:adec="http://schemas.microsoft.com/office/drawing/2017/decorative" val="1"/>
@@ -6393,10 +6459,10 @@
       </p:grpSpPr>
       <p:sp>
         <p:nvSpPr>
-          <p:cNvPr id="64" name="Rectangle 63">
+          <p:cNvPr id="91" name="Rectangle 90">
             <a:extLst>
               <a:ext uri="{FF2B5EF4-FFF2-40B4-BE49-F238E27FC236}">
-                <a16:creationId xmlns:a16="http://schemas.microsoft.com/office/drawing/2014/main" id="{DB56CED6-ACD4-43B1-BE53-1B579E8C6EFB}"/>
+                <a16:creationId xmlns:a16="http://schemas.microsoft.com/office/drawing/2014/main" id="{5E1F4DBB-EDCB-4A36-BAC5-52F39918F33A}"/>
               </a:ext>
               <a:ext uri="{C183D7F6-B498-43B3-948B-1728B52AA6E4}">
                 <adec:decorative xmlns:adec="http://schemas.microsoft.com/office/drawing/2017/decorative" val="1"/>
@@ -6459,10 +6525,10 @@
       </p:sp>
       <p:pic>
         <p:nvPicPr>
-          <p:cNvPr id="66" name="Picture 65">
+          <p:cNvPr id="93" name="Picture 92">
             <a:extLst>
               <a:ext uri="{FF2B5EF4-FFF2-40B4-BE49-F238E27FC236}">
-                <a16:creationId xmlns:a16="http://schemas.microsoft.com/office/drawing/2014/main" id="{5B451061-F85B-40DB-92DA-1FD61C70C3F0}"/>
+                <a16:creationId xmlns:a16="http://schemas.microsoft.com/office/drawing/2014/main" id="{5752FDBF-2103-408B-86DF-5390B4002D74}"/>
               </a:ext>
               <a:ext uri="{C183D7F6-B498-43B3-948B-1728B52AA6E4}">
                 <adec:decorative xmlns:adec="http://schemas.microsoft.com/office/drawing/2017/decorative" val="1"/>
@@ -6497,10 +6563,10 @@
       </p:pic>
       <p:cxnSp>
         <p:nvCxnSpPr>
-          <p:cNvPr id="68" name="Straight Connector 67">
+          <p:cNvPr id="95" name="Straight Connector 94">
             <a:extLst>
               <a:ext uri="{FF2B5EF4-FFF2-40B4-BE49-F238E27FC236}">
-                <a16:creationId xmlns:a16="http://schemas.microsoft.com/office/drawing/2014/main" id="{D1F836F1-51D4-4090-8E0D-97877F036097}"/>
+                <a16:creationId xmlns:a16="http://schemas.microsoft.com/office/drawing/2014/main" id="{2BFCFFBB-E11F-4217-B830-5A44E40B5081}"/>
               </a:ext>
               <a:ext uri="{C183D7F6-B498-43B3-948B-1728B52AA6E4}">
                 <adec:decorative xmlns:adec="http://schemas.microsoft.com/office/drawing/2017/decorative" val="1"/>
@@ -6551,10 +6617,10 @@
       </p:cxnSp>
       <p:cxnSp>
         <p:nvCxnSpPr>
-          <p:cNvPr id="70" name="Straight Connector 69">
+          <p:cNvPr id="97" name="Straight Connector 96">
             <a:extLst>
               <a:ext uri="{FF2B5EF4-FFF2-40B4-BE49-F238E27FC236}">
-                <a16:creationId xmlns:a16="http://schemas.microsoft.com/office/drawing/2014/main" id="{CDE33292-50BA-4AED-A315-7A6ADB4B100C}"/>
+                <a16:creationId xmlns:a16="http://schemas.microsoft.com/office/drawing/2014/main" id="{6F83C12D-BC4E-439F-9A67-2A67EFC9212F}"/>
               </a:ext>
               <a:ext uri="{C183D7F6-B498-43B3-948B-1728B52AA6E4}">
                 <adec:decorative xmlns:adec="http://schemas.microsoft.com/office/drawing/2017/decorative" val="1"/>
@@ -6574,8 +6640,8 @@
         </p:nvCxnSpPr>
         <p:spPr>
           <a:xfrm>
-            <a:off x="2334637" y="798973"/>
-            <a:ext cx="0" cy="2544756"/>
+            <a:off x="1371687" y="798973"/>
+            <a:ext cx="0" cy="1067168"/>
           </a:xfrm>
           <a:prstGeom prst="line">
             <a:avLst/>
@@ -6605,10 +6671,10 @@
       </p:cxnSp>
       <p:sp useBgFill="1">
         <p:nvSpPr>
-          <p:cNvPr id="72" name="Rectangle 71">
+          <p:cNvPr id="99" name="Rectangle 98">
             <a:extLst>
               <a:ext uri="{FF2B5EF4-FFF2-40B4-BE49-F238E27FC236}">
-                <a16:creationId xmlns:a16="http://schemas.microsoft.com/office/drawing/2014/main" id="{FE93A4E5-9844-4C94-BE97-92EDCA2EB00A}"/>
+                <a16:creationId xmlns:a16="http://schemas.microsoft.com/office/drawing/2014/main" id="{85AFCEE3-D2A1-48D1-9E8A-936940FFF29F}"/>
               </a:ext>
               <a:ext uri="{C183D7F6-B498-43B3-948B-1728B52AA6E4}">
                 <adec:decorative xmlns:adec="http://schemas.microsoft.com/office/drawing/2017/decorative" val="1"/>
@@ -6665,10 +6731,10 @@
       </p:sp>
       <p:sp>
         <p:nvSpPr>
-          <p:cNvPr id="74" name="Rectangle 73">
+          <p:cNvPr id="101" name="Rectangle 100">
             <a:extLst>
               <a:ext uri="{FF2B5EF4-FFF2-40B4-BE49-F238E27FC236}">
-                <a16:creationId xmlns:a16="http://schemas.microsoft.com/office/drawing/2014/main" id="{652113E9-B822-4FC0-9815-D9FD422C4C58}"/>
+                <a16:creationId xmlns:a16="http://schemas.microsoft.com/office/drawing/2014/main" id="{1C089E7C-1B6A-4E35-8E79-178D1DFBD1AB}"/>
               </a:ext>
               <a:ext uri="{C183D7F6-B498-43B3-948B-1728B52AA6E4}">
                 <adec:decorative xmlns:adec="http://schemas.microsoft.com/office/drawing/2017/decorative" val="1"/>
@@ -6755,18 +6821,18 @@
         </p:nvSpPr>
         <p:spPr>
           <a:xfrm>
-            <a:off x="659301" y="1474969"/>
-            <a:ext cx="2823919" cy="1868760"/>
-          </a:xfrm>
-        </p:spPr>
-        <p:txBody>
-          <a:bodyPr vert="horz" lIns="91440" tIns="45720" rIns="91440" bIns="0" rtlCol="0" anchor="b">
+            <a:off x="856293" y="1474970"/>
+            <a:ext cx="2626925" cy="3144914"/>
+          </a:xfrm>
+        </p:spPr>
+        <p:txBody>
+          <a:bodyPr vert="horz" lIns="91440" tIns="45720" rIns="91440" bIns="45720" rtlCol="0" anchor="b">
             <a:normAutofit/>
           </a:bodyPr>
           <a:lstStyle/>
           <a:p>
             <a:r>
-              <a:rPr lang="en-US" sz="3600" b="0" i="0" kern="1200" cap="none">
+              <a:rPr lang="en-US" sz="3200" b="0" i="0" kern="1200" cap="none">
                 <a:solidFill>
                   <a:schemeClr val="tx1"/>
                 </a:solidFill>
@@ -6782,10 +6848,10 @@
       </p:sp>
       <p:cxnSp>
         <p:nvCxnSpPr>
-          <p:cNvPr id="76" name="Straight Connector 75">
+          <p:cNvPr id="103" name="Straight Connector 102">
             <a:extLst>
               <a:ext uri="{FF2B5EF4-FFF2-40B4-BE49-F238E27FC236}">
-                <a16:creationId xmlns:a16="http://schemas.microsoft.com/office/drawing/2014/main" id="{54CC25F9-2E48-48AB-8BC0-F5F264549FBE}"/>
+                <a16:creationId xmlns:a16="http://schemas.microsoft.com/office/drawing/2014/main" id="{37E460A6-2F05-49F9-838D-51CEE9841393}"/>
               </a:ext>
               <a:ext uri="{C183D7F6-B498-43B3-948B-1728B52AA6E4}">
                 <adec:decorative xmlns:adec="http://schemas.microsoft.com/office/drawing/2017/decorative" val="1"/>
@@ -6805,8 +6871,8 @@
         </p:nvCxnSpPr>
         <p:spPr>
           <a:xfrm>
-            <a:off x="490988" y="807259"/>
-            <a:ext cx="0" cy="2544756"/>
+            <a:off x="689679" y="812506"/>
+            <a:ext cx="0" cy="3815206"/>
           </a:xfrm>
           <a:prstGeom prst="line">
             <a:avLst/>
@@ -6836,10 +6902,10 @@
       </p:cxnSp>
       <p:grpSp>
         <p:nvGrpSpPr>
-          <p:cNvPr id="78" name="Group 77">
+          <p:cNvPr id="105" name="Group 104">
             <a:extLst>
               <a:ext uri="{FF2B5EF4-FFF2-40B4-BE49-F238E27FC236}">
-                <a16:creationId xmlns:a16="http://schemas.microsoft.com/office/drawing/2014/main" id="{28665850-0FEB-436B-AD92-E1873CA4C046}"/>
+                <a16:creationId xmlns:a16="http://schemas.microsoft.com/office/drawing/2014/main" id="{A3D2F692-BDB6-4147-B4AF-2134D860DE7F}"/>
               </a:ext>
               <a:ext uri="{C183D7F6-B498-43B3-948B-1728B52AA6E4}">
                 <adec:decorative xmlns:adec="http://schemas.microsoft.com/office/drawing/2017/decorative" val="1"/>
@@ -6867,10 +6933,10 @@
         </p:grpSpPr>
         <p:sp>
           <p:nvSpPr>
-            <p:cNvPr id="79" name="Rectangle 78">
+            <p:cNvPr id="106" name="Rectangle 105">
               <a:extLst>
                 <a:ext uri="{FF2B5EF4-FFF2-40B4-BE49-F238E27FC236}">
-                  <a16:creationId xmlns:a16="http://schemas.microsoft.com/office/drawing/2014/main" id="{29497226-2365-4B3B-9781-1EA8B98DB110}"/>
+                  <a16:creationId xmlns:a16="http://schemas.microsoft.com/office/drawing/2014/main" id="{3FE4FB6F-2DAA-4234-907E-D7460C6D22B4}"/>
                 </a:ext>
                 <a:ext uri="{C183D7F6-B498-43B3-948B-1728B52AA6E4}">
                   <adec:decorative xmlns:adec="http://schemas.microsoft.com/office/drawing/2017/decorative" val="1"/>
@@ -6952,10 +7018,10 @@
         </p:sp>
         <p:sp>
           <p:nvSpPr>
-            <p:cNvPr id="80" name="Rectangle 79">
+            <p:cNvPr id="107" name="Rectangle 106">
               <a:extLst>
                 <a:ext uri="{FF2B5EF4-FFF2-40B4-BE49-F238E27FC236}">
-                  <a16:creationId xmlns:a16="http://schemas.microsoft.com/office/drawing/2014/main" id="{5863181C-F135-428D-88EE-BDA1BF33E054}"/>
+                  <a16:creationId xmlns:a16="http://schemas.microsoft.com/office/drawing/2014/main" id="{7CBDF709-9CE2-402A-8E85-F76F9B62E6D4}"/>
                 </a:ext>
                 <a:ext uri="{C183D7F6-B498-43B3-948B-1728B52AA6E4}">
                   <adec:decorative xmlns:adec="http://schemas.microsoft.com/office/drawing/2017/decorative" val="1"/>
@@ -7035,77 +7101,12 @@
           </p:txBody>
         </p:sp>
       </p:grpSp>
-      <p:sp>
-        <p:nvSpPr>
-          <p:cNvPr id="82" name="Rectangle 81">
+      <p:pic>
+        <p:nvPicPr>
+          <p:cNvPr id="13" name="Content Placeholder 12">
             <a:extLst>
               <a:ext uri="{FF2B5EF4-FFF2-40B4-BE49-F238E27FC236}">
-                <a16:creationId xmlns:a16="http://schemas.microsoft.com/office/drawing/2014/main" id="{FFBBF4E2-8D2F-43D2-865D-87F0B3ED06B8}"/>
-              </a:ext>
-              <a:ext uri="{C183D7F6-B498-43B3-948B-1728B52AA6E4}">
-                <adec:decorative xmlns:adec="http://schemas.microsoft.com/office/drawing/2017/decorative" val="1"/>
-              </a:ext>
-            </a:extLst>
-          </p:cNvPr>
-          <p:cNvSpPr>
-            <a:spLocks noGrp="1" noRot="1" noChangeAspect="1" noMove="1" noResize="1" noEditPoints="1" noAdjustHandles="1" noChangeArrowheads="1" noChangeShapeType="1" noTextEdit="1"/>
-          </p:cNvSpPr>
-          <p:nvPr>
-            <p:extLst>
-              <p:ext uri="{386F3935-93C4-4BCD-93E2-E3B085C9AB24}">
-                <p16:designElem xmlns:p16="http://schemas.microsoft.com/office/powerpoint/2015/main" val="1"/>
-              </p:ext>
-            </p:extLst>
-          </p:nvPr>
-        </p:nvSpPr>
-        <p:spPr>
-          <a:xfrm>
-            <a:off x="4455871" y="977099"/>
-            <a:ext cx="6621291" cy="4136205"/>
-          </a:xfrm>
-          <a:prstGeom prst="rect">
-            <a:avLst/>
-          </a:prstGeom>
-          <a:solidFill>
-            <a:srgbClr val="FFFFFE"/>
-          </a:solidFill>
-          <a:ln w="6350">
-            <a:solidFill>
-              <a:schemeClr val="bg2"/>
-            </a:solidFill>
-          </a:ln>
-        </p:spPr>
-        <p:style>
-          <a:lnRef idx="2">
-            <a:schemeClr val="accent1">
-              <a:shade val="50000"/>
-            </a:schemeClr>
-          </a:lnRef>
-          <a:fillRef idx="1">
-            <a:schemeClr val="accent1"/>
-          </a:fillRef>
-          <a:effectRef idx="0">
-            <a:schemeClr val="accent1"/>
-          </a:effectRef>
-          <a:fontRef idx="minor">
-            <a:schemeClr val="lt1"/>
-          </a:fontRef>
-        </p:style>
-        <p:txBody>
-          <a:bodyPr rtlCol="0" anchor="ctr"/>
-          <a:lstStyle/>
-          <a:p>
-            <a:pPr algn="ctr"/>
-            <a:endParaRPr lang="en-US"/>
-          </a:p>
-        </p:txBody>
-      </p:sp>
-      <p:pic>
-        <p:nvPicPr>
-          <p:cNvPr id="3" name="Content Placeholder 2">
-            <a:extLst>
-              <a:ext uri="{FF2B5EF4-FFF2-40B4-BE49-F238E27FC236}">
-                <a16:creationId xmlns:a16="http://schemas.microsoft.com/office/drawing/2014/main" id="{C00CEAFB-D992-42C2-A78F-F203EDE9842E}"/>
+                <a16:creationId xmlns:a16="http://schemas.microsoft.com/office/drawing/2014/main" id="{F2018E4A-E547-4D2F-89A8-7A3E6AD6DEC4}"/>
               </a:ext>
             </a:extLst>
           </p:cNvPr>
@@ -7116,15 +7117,16 @@
             <p:ph idx="1"/>
           </p:nvPr>
         </p:nvPicPr>
-        <p:blipFill rotWithShape="1">
+        <p:blipFill>
           <a:blip r:embed="rId3"/>
-          <a:srcRect t="4511" r="7" b="7"/>
-          <a:stretch/>
+          <a:stretch>
+            <a:fillRect/>
+          </a:stretch>
         </p:blipFill>
         <p:spPr>
           <a:xfrm>
-            <a:off x="4633326" y="1116345"/>
-            <a:ext cx="6253014" cy="3866172"/>
+            <a:off x="4808557" y="1116345"/>
+            <a:ext cx="5902553" cy="3866172"/>
           </a:xfrm>
           <a:prstGeom prst="rect">
             <a:avLst/>
@@ -7133,10 +7135,10 @@
       </p:pic>
       <p:pic>
         <p:nvPicPr>
-          <p:cNvPr id="84" name="Picture 83">
+          <p:cNvPr id="109" name="Picture 108">
             <a:extLst>
               <a:ext uri="{FF2B5EF4-FFF2-40B4-BE49-F238E27FC236}">
-                <a16:creationId xmlns:a16="http://schemas.microsoft.com/office/drawing/2014/main" id="{8EF1841E-483F-48D2-BEE9-419DB846F052}"/>
+                <a16:creationId xmlns:a16="http://schemas.microsoft.com/office/drawing/2014/main" id="{5A53D386-84FF-410A-AF2C-5C84D3DBE6D2}"/>
               </a:ext>
               <a:ext uri="{C183D7F6-B498-43B3-948B-1728B52AA6E4}">
                 <adec:decorative xmlns:adec="http://schemas.microsoft.com/office/drawing/2017/decorative" val="1"/>
@@ -7171,10 +7173,10 @@
       </p:pic>
       <p:cxnSp>
         <p:nvCxnSpPr>
-          <p:cNvPr id="86" name="Straight Connector 85">
+          <p:cNvPr id="111" name="Straight Connector 110">
             <a:extLst>
               <a:ext uri="{FF2B5EF4-FFF2-40B4-BE49-F238E27FC236}">
-                <a16:creationId xmlns:a16="http://schemas.microsoft.com/office/drawing/2014/main" id="{D59C9410-83E0-4382-9205-407BA785C3DE}"/>
+                <a16:creationId xmlns:a16="http://schemas.microsoft.com/office/drawing/2014/main" id="{36ACC01C-8FC6-4BF0-BDF5-DB23A91246F7}"/>
               </a:ext>
               <a:ext uri="{C183D7F6-B498-43B3-948B-1728B52AA6E4}">
                 <adec:decorative xmlns:adec="http://schemas.microsoft.com/office/drawing/2017/decorative" val="1"/>

--- a/FINAL_ATTEND-IN_Sprint_3 (2).pptx
+++ b/FINAL_ATTEND-IN_Sprint_3 (2).pptx
@@ -3698,12 +3698,12 @@
         <p:spPr>
           <a:xfrm>
             <a:off x="2493106" y="2259405"/>
-            <a:ext cx="8561746" cy="977621"/>
+            <a:ext cx="8561746" cy="2398320"/>
           </a:xfrm>
         </p:spPr>
         <p:txBody>
           <a:bodyPr>
-            <a:normAutofit lnSpcReduction="10000"/>
+            <a:normAutofit fontScale="92500" lnSpcReduction="20000"/>
           </a:bodyPr>
           <a:lstStyle/>
           <a:p>
@@ -3713,7 +3713,31 @@
             </a:r>
             <a:r>
               <a:rPr lang="en-US" sz="2400" dirty="0"/>
-              <a:t> Kelley, Steven Stewart,  Nicole grizzle, hard Thakkar, Cameron </a:t>
+              <a:t> Kelley - Junior programmer</a:t>
+            </a:r>
+          </a:p>
+          <a:p>
+            <a:r>
+              <a:rPr lang="en-US" sz="2400" dirty="0"/>
+              <a:t>Steven Stewart - Scrum Master</a:t>
+            </a:r>
+          </a:p>
+          <a:p>
+            <a:r>
+              <a:rPr lang="en-US" sz="2400" dirty="0"/>
+              <a:t>Nicole grizzle - Senior Programmer</a:t>
+            </a:r>
+          </a:p>
+          <a:p>
+            <a:r>
+              <a:rPr lang="en-US" sz="2400" dirty="0"/>
+              <a:t>hard Thakkar - Project Manager</a:t>
+            </a:r>
+          </a:p>
+          <a:p>
+            <a:r>
+              <a:rPr lang="en-US" sz="2400" dirty="0"/>
+              <a:t>Cameron </a:t>
             </a:r>
             <a:r>
               <a:rPr lang="en-US" sz="2400" dirty="0" err="1"/>
@@ -3721,7 +3745,7 @@
             </a:r>
             <a:r>
               <a:rPr lang="en-US" sz="2400" dirty="0"/>
-              <a:t>, </a:t>
+              <a:t> - QA </a:t>
             </a:r>
           </a:p>
         </p:txBody>

--- a/FINAL_ATTEND-IN_Sprint_3 (2).pptx
+++ b/FINAL_ATTEND-IN_Sprint_3 (2).pptx
@@ -3806,7 +3806,7 @@
       </p:grpSpPr>
       <p:sp>
         <p:nvSpPr>
-          <p:cNvPr id="60" name="Rectangle 59">
+          <p:cNvPr id="87" name="Rectangle 86">
             <a:extLst>
               <a:ext uri="{FF2B5EF4-FFF2-40B4-BE49-F238E27FC236}">
                 <a16:creationId xmlns:a16="http://schemas.microsoft.com/office/drawing/2014/main" id="{DB56CED6-ACD4-43B1-BE53-1B579E8C6EFB}"/>
@@ -3872,7 +3872,7 @@
       </p:sp>
       <p:pic>
         <p:nvPicPr>
-          <p:cNvPr id="62" name="Picture 61">
+          <p:cNvPr id="89" name="Picture 88">
             <a:extLst>
               <a:ext uri="{FF2B5EF4-FFF2-40B4-BE49-F238E27FC236}">
                 <a16:creationId xmlns:a16="http://schemas.microsoft.com/office/drawing/2014/main" id="{5B451061-F85B-40DB-92DA-1FD61C70C3F0}"/>
@@ -3910,7 +3910,7 @@
       </p:pic>
       <p:cxnSp>
         <p:nvCxnSpPr>
-          <p:cNvPr id="64" name="Straight Connector 63">
+          <p:cNvPr id="91" name="Straight Connector 90">
             <a:extLst>
               <a:ext uri="{FF2B5EF4-FFF2-40B4-BE49-F238E27FC236}">
                 <a16:creationId xmlns:a16="http://schemas.microsoft.com/office/drawing/2014/main" id="{D1F836F1-51D4-4090-8E0D-97877F036097}"/>
@@ -3964,7 +3964,7 @@
       </p:cxnSp>
       <p:cxnSp>
         <p:nvCxnSpPr>
-          <p:cNvPr id="66" name="Straight Connector 65">
+          <p:cNvPr id="93" name="Straight Connector 92">
             <a:extLst>
               <a:ext uri="{FF2B5EF4-FFF2-40B4-BE49-F238E27FC236}">
                 <a16:creationId xmlns:a16="http://schemas.microsoft.com/office/drawing/2014/main" id="{CDE33292-50BA-4AED-A315-7A6ADB4B100C}"/>
@@ -4018,7 +4018,7 @@
       </p:cxnSp>
       <p:sp useBgFill="1">
         <p:nvSpPr>
-          <p:cNvPr id="68" name="Rectangle 67">
+          <p:cNvPr id="95" name="Rectangle 94">
             <a:extLst>
               <a:ext uri="{FF2B5EF4-FFF2-40B4-BE49-F238E27FC236}">
                 <a16:creationId xmlns:a16="http://schemas.microsoft.com/office/drawing/2014/main" id="{FE93A4E5-9844-4C94-BE97-92EDCA2EB00A}"/>
@@ -4078,7 +4078,7 @@
       </p:sp>
       <p:sp>
         <p:nvSpPr>
-          <p:cNvPr id="70" name="Rectangle 69">
+          <p:cNvPr id="97" name="Rectangle 96">
             <a:extLst>
               <a:ext uri="{FF2B5EF4-FFF2-40B4-BE49-F238E27FC236}">
                 <a16:creationId xmlns:a16="http://schemas.microsoft.com/office/drawing/2014/main" id="{652113E9-B822-4FC0-9815-D9FD422C4C58}"/>
@@ -4195,7 +4195,7 @@
       </p:sp>
       <p:cxnSp>
         <p:nvCxnSpPr>
-          <p:cNvPr id="72" name="Straight Connector 71">
+          <p:cNvPr id="99" name="Straight Connector 98">
             <a:extLst>
               <a:ext uri="{FF2B5EF4-FFF2-40B4-BE49-F238E27FC236}">
                 <a16:creationId xmlns:a16="http://schemas.microsoft.com/office/drawing/2014/main" id="{54CC25F9-2E48-48AB-8BC0-F5F264549FBE}"/>
@@ -4249,7 +4249,7 @@
       </p:cxnSp>
       <p:grpSp>
         <p:nvGrpSpPr>
-          <p:cNvPr id="74" name="Group 73">
+          <p:cNvPr id="101" name="Group 100">
             <a:extLst>
               <a:ext uri="{FF2B5EF4-FFF2-40B4-BE49-F238E27FC236}">
                 <a16:creationId xmlns:a16="http://schemas.microsoft.com/office/drawing/2014/main" id="{28665850-0FEB-436B-AD92-E1873CA4C046}"/>
@@ -4280,7 +4280,7 @@
         </p:grpSpPr>
         <p:sp>
           <p:nvSpPr>
-            <p:cNvPr id="75" name="Rectangle 74">
+            <p:cNvPr id="102" name="Rectangle 101">
               <a:extLst>
                 <a:ext uri="{FF2B5EF4-FFF2-40B4-BE49-F238E27FC236}">
                   <a16:creationId xmlns:a16="http://schemas.microsoft.com/office/drawing/2014/main" id="{29497226-2365-4B3B-9781-1EA8B98DB110}"/>
@@ -4365,7 +4365,7 @@
         </p:sp>
         <p:sp>
           <p:nvSpPr>
-            <p:cNvPr id="76" name="Rectangle 75">
+            <p:cNvPr id="103" name="Rectangle 102">
               <a:extLst>
                 <a:ext uri="{FF2B5EF4-FFF2-40B4-BE49-F238E27FC236}">
                   <a16:creationId xmlns:a16="http://schemas.microsoft.com/office/drawing/2014/main" id="{5863181C-F135-428D-88EE-BDA1BF33E054}"/>
@@ -4450,7 +4450,7 @@
       </p:grpSp>
       <p:sp>
         <p:nvSpPr>
-          <p:cNvPr id="78" name="Rectangle 77">
+          <p:cNvPr id="105" name="Rectangle 104">
             <a:extLst>
               <a:ext uri="{FF2B5EF4-FFF2-40B4-BE49-F238E27FC236}">
                 <a16:creationId xmlns:a16="http://schemas.microsoft.com/office/drawing/2014/main" id="{FFBBF4E2-8D2F-43D2-865D-87F0B3ED06B8}"/>
@@ -4515,10 +4515,10 @@
       </p:sp>
       <p:pic>
         <p:nvPicPr>
-          <p:cNvPr id="9" name="Content Placeholder 8">
+          <p:cNvPr id="17" name="Content Placeholder 16" descr="A screenshot of a social media post&#10;&#10;Description automatically generated">
             <a:extLst>
               <a:ext uri="{FF2B5EF4-FFF2-40B4-BE49-F238E27FC236}">
-                <a16:creationId xmlns:a16="http://schemas.microsoft.com/office/drawing/2014/main" id="{E607085E-425C-4327-A69B-7A2B2D36B30D}"/>
+                <a16:creationId xmlns:a16="http://schemas.microsoft.com/office/drawing/2014/main" id="{D6FCE574-CDE3-4C9F-AC0D-00D320866562}"/>
               </a:ext>
             </a:extLst>
           </p:cNvPr>
@@ -4537,8 +4537,8 @@
         </p:blipFill>
         <p:spPr>
           <a:xfrm>
-            <a:off x="4762801" y="1116345"/>
-            <a:ext cx="5994065" cy="3866172"/>
+            <a:off x="4618374" y="1290212"/>
+            <a:ext cx="6282919" cy="3518437"/>
           </a:xfrm>
           <a:prstGeom prst="rect">
             <a:avLst/>
@@ -4547,7 +4547,7 @@
       </p:pic>
       <p:pic>
         <p:nvPicPr>
-          <p:cNvPr id="80" name="Picture 79">
+          <p:cNvPr id="107" name="Picture 106">
             <a:extLst>
               <a:ext uri="{FF2B5EF4-FFF2-40B4-BE49-F238E27FC236}">
                 <a16:creationId xmlns:a16="http://schemas.microsoft.com/office/drawing/2014/main" id="{8EF1841E-483F-48D2-BEE9-419DB846F052}"/>
@@ -4585,7 +4585,7 @@
       </p:pic>
       <p:cxnSp>
         <p:nvCxnSpPr>
-          <p:cNvPr id="82" name="Straight Connector 81">
+          <p:cNvPr id="109" name="Straight Connector 108">
             <a:extLst>
               <a:ext uri="{FF2B5EF4-FFF2-40B4-BE49-F238E27FC236}">
                 <a16:creationId xmlns:a16="http://schemas.microsoft.com/office/drawing/2014/main" id="{D59C9410-83E0-4382-9205-407BA785C3DE}"/>

--- a/FINAL_ATTEND-IN_Sprint_3 (2).pptx
+++ b/FINAL_ATTEND-IN_Sprint_3 (2).pptx
@@ -5672,7 +5672,7 @@
           <a:p>
             <a:r>
               <a:rPr lang="en-US" dirty="0"/>
-              <a:t>Test Scenario 1: The Professor can take the attendance for their class and can review the attendance</a:t>
+              <a:t>Test Scenario 1: The Professor will take the attendance for their class and can review the attendance</a:t>
             </a:r>
           </a:p>
         </p:txBody>
@@ -5796,7 +5796,7 @@
           <a:p>
             <a:r>
               <a:rPr lang="en-US" dirty="0"/>
-              <a:t>Test Scenario 2: The student can mark their attendance using the app based on their current location</a:t>
+              <a:t>Test Scenario 2: The student will mark their attendance using the app based on their current location</a:t>
             </a:r>
           </a:p>
         </p:txBody>
@@ -6131,7 +6131,7 @@
           <a:p>
             <a:r>
               <a:rPr lang="en-US" sz="2900" dirty="0"/>
-              <a:t>Test Scenario 3: The application frontend can communicate with the </a:t>
+              <a:t>Test Scenario 3: The application frontend communicates with the </a:t>
             </a:r>
             <a:r>
               <a:rPr lang="en-US" sz="2900" dirty="0" err="1"/>
